--- a/PPT/VB_1.pptx
+++ b/PPT/VB_1.pptx
@@ -5,7 +5,7 @@
     <p:sldMasterId id="2147483648" r:id="rId1"/>
   </p:sldMasterIdLst>
   <p:notesMasterIdLst>
-    <p:notesMasterId r:id="rId31"/>
+    <p:notesMasterId r:id="rId37"/>
   </p:notesMasterIdLst>
   <p:sldIdLst>
     <p:sldId id="257" r:id="rId2"/>
@@ -32,11 +32,17 @@
     <p:sldId id="278" r:id="rId23"/>
     <p:sldId id="279" r:id="rId24"/>
     <p:sldId id="280" r:id="rId25"/>
-    <p:sldId id="283" r:id="rId26"/>
-    <p:sldId id="284" r:id="rId27"/>
-    <p:sldId id="271" r:id="rId28"/>
-    <p:sldId id="281" r:id="rId29"/>
-    <p:sldId id="282" r:id="rId30"/>
+    <p:sldId id="290" r:id="rId26"/>
+    <p:sldId id="287" r:id="rId27"/>
+    <p:sldId id="288" r:id="rId28"/>
+    <p:sldId id="283" r:id="rId29"/>
+    <p:sldId id="289" r:id="rId30"/>
+    <p:sldId id="284" r:id="rId31"/>
+    <p:sldId id="292" r:id="rId32"/>
+    <p:sldId id="291" r:id="rId33"/>
+    <p:sldId id="271" r:id="rId34"/>
+    <p:sldId id="281" r:id="rId35"/>
+    <p:sldId id="282" r:id="rId36"/>
   </p:sldIdLst>
   <p:sldSz cx="12192000" cy="6858000"/>
   <p:notesSz cx="6858000" cy="9144000"/>
@@ -225,7 +231,7 @@
           <a:p>
             <a:fld id="{7874E4A4-3D81-4418-8951-B0B4A73DFF01}" type="datetimeFigureOut">
               <a:rPr lang="en-US" smtClean="0"/>
-              <a:t>7/15/2019</a:t>
+              <a:t>7/19/2019</a:t>
             </a:fld>
             <a:endParaRPr lang="en-US"/>
           </a:p>
@@ -1754,7 +1760,7 @@
             <a:fld id="{B61BEF0D-F0BB-DE4B-95CE-6DB70DBA9567}" type="datetimeFigureOut">
               <a:rPr lang="en-US" dirty="0"/>
               <a:pPr/>
-              <a:t>7/15/2019</a:t>
+              <a:t>7/19/2019</a:t>
             </a:fld>
             <a:endParaRPr lang="en-US" dirty="0"/>
           </a:p>
@@ -2089,7 +2095,7 @@
             <a:fld id="{B61BEF0D-F0BB-DE4B-95CE-6DB70DBA9567}" type="datetimeFigureOut">
               <a:rPr lang="en-US" dirty="0"/>
               <a:pPr/>
-              <a:t>7/15/2019</a:t>
+              <a:t>7/19/2019</a:t>
             </a:fld>
             <a:endParaRPr lang="en-US" dirty="0"/>
           </a:p>
@@ -2487,7 +2493,7 @@
             <a:fld id="{B61BEF0D-F0BB-DE4B-95CE-6DB70DBA9567}" type="datetimeFigureOut">
               <a:rPr lang="en-US" dirty="0"/>
               <a:pPr/>
-              <a:t>7/15/2019</a:t>
+              <a:t>7/19/2019</a:t>
             </a:fld>
             <a:endParaRPr lang="en-US" dirty="0"/>
           </a:p>
@@ -2820,7 +2826,7 @@
             <a:fld id="{B61BEF0D-F0BB-DE4B-95CE-6DB70DBA9567}" type="datetimeFigureOut">
               <a:rPr lang="en-US" dirty="0"/>
               <a:pPr/>
-              <a:t>7/15/2019</a:t>
+              <a:t>7/19/2019</a:t>
             </a:fld>
             <a:endParaRPr lang="en-US" dirty="0"/>
           </a:p>
@@ -3137,7 +3143,7 @@
             <a:fld id="{B61BEF0D-F0BB-DE4B-95CE-6DB70DBA9567}" type="datetimeFigureOut">
               <a:rPr lang="en-US" dirty="0"/>
               <a:pPr/>
-              <a:t>7/15/2019</a:t>
+              <a:t>7/19/2019</a:t>
             </a:fld>
             <a:endParaRPr lang="en-US" dirty="0"/>
           </a:p>
@@ -3530,7 +3536,7 @@
             <a:fld id="{B61BEF0D-F0BB-DE4B-95CE-6DB70DBA9567}" type="datetimeFigureOut">
               <a:rPr lang="en-US" dirty="0"/>
               <a:pPr/>
-              <a:t>7/15/2019</a:t>
+              <a:t>7/19/2019</a:t>
             </a:fld>
             <a:endParaRPr lang="en-US" dirty="0"/>
           </a:p>
@@ -3784,7 +3790,7 @@
             <a:fld id="{B61BEF0D-F0BB-DE4B-95CE-6DB70DBA9567}" type="datetimeFigureOut">
               <a:rPr lang="en-US" dirty="0"/>
               <a:pPr/>
-              <a:t>7/15/2019</a:t>
+              <a:t>7/19/2019</a:t>
             </a:fld>
             <a:endParaRPr lang="en-US" dirty="0"/>
           </a:p>
@@ -4043,7 +4049,7 @@
             <a:fld id="{B61BEF0D-F0BB-DE4B-95CE-6DB70DBA9567}" type="datetimeFigureOut">
               <a:rPr lang="en-US" dirty="0"/>
               <a:pPr/>
-              <a:t>7/15/2019</a:t>
+              <a:t>7/19/2019</a:t>
             </a:fld>
             <a:endParaRPr lang="en-US" dirty="0"/>
           </a:p>
@@ -4302,7 +4308,7 @@
             <a:fld id="{B61BEF0D-F0BB-DE4B-95CE-6DB70DBA9567}" type="datetimeFigureOut">
               <a:rPr lang="en-US" dirty="0"/>
               <a:pPr/>
-              <a:t>7/15/2019</a:t>
+              <a:t>7/19/2019</a:t>
             </a:fld>
             <a:endParaRPr lang="en-US" dirty="0"/>
           </a:p>
@@ -4628,7 +4634,7 @@
             <a:fld id="{B61BEF0D-F0BB-DE4B-95CE-6DB70DBA9567}" type="datetimeFigureOut">
               <a:rPr lang="en-US" dirty="0"/>
               <a:pPr/>
-              <a:t>7/15/2019</a:t>
+              <a:t>7/19/2019</a:t>
             </a:fld>
             <a:endParaRPr lang="en-US" dirty="0"/>
           </a:p>
@@ -4948,7 +4954,7 @@
             <a:fld id="{B61BEF0D-F0BB-DE4B-95CE-6DB70DBA9567}" type="datetimeFigureOut">
               <a:rPr lang="en-US" dirty="0"/>
               <a:pPr/>
-              <a:t>7/15/2019</a:t>
+              <a:t>7/19/2019</a:t>
             </a:fld>
             <a:endParaRPr lang="en-US" dirty="0"/>
           </a:p>
@@ -5402,7 +5408,7 @@
             <a:fld id="{B61BEF0D-F0BB-DE4B-95CE-6DB70DBA9567}" type="datetimeFigureOut">
               <a:rPr lang="en-US" dirty="0"/>
               <a:pPr/>
-              <a:t>7/15/2019</a:t>
+              <a:t>7/19/2019</a:t>
             </a:fld>
             <a:endParaRPr lang="en-US" dirty="0"/>
           </a:p>
@@ -5604,7 +5610,7 @@
             <a:fld id="{B61BEF0D-F0BB-DE4B-95CE-6DB70DBA9567}" type="datetimeFigureOut">
               <a:rPr lang="en-US" dirty="0"/>
               <a:pPr/>
-              <a:t>7/15/2019</a:t>
+              <a:t>7/19/2019</a:t>
             </a:fld>
             <a:endParaRPr lang="en-US" dirty="0"/>
           </a:p>
@@ -5778,7 +5784,7 @@
             <a:fld id="{B61BEF0D-F0BB-DE4B-95CE-6DB70DBA9567}" type="datetimeFigureOut">
               <a:rPr lang="en-US" dirty="0"/>
               <a:pPr/>
-              <a:t>7/15/2019</a:t>
+              <a:t>7/19/2019</a:t>
             </a:fld>
             <a:endParaRPr lang="en-US" dirty="0"/>
           </a:p>
@@ -6108,7 +6114,7 @@
             <a:fld id="{B61BEF0D-F0BB-DE4B-95CE-6DB70DBA9567}" type="datetimeFigureOut">
               <a:rPr lang="en-US" dirty="0"/>
               <a:pPr/>
-              <a:t>7/15/2019</a:t>
+              <a:t>7/19/2019</a:t>
             </a:fld>
             <a:endParaRPr lang="en-US" dirty="0"/>
           </a:p>
@@ -6450,7 +6456,7 @@
             <a:fld id="{B61BEF0D-F0BB-DE4B-95CE-6DB70DBA9567}" type="datetimeFigureOut">
               <a:rPr lang="en-US" dirty="0"/>
               <a:pPr/>
-              <a:t>7/15/2019</a:t>
+              <a:t>7/19/2019</a:t>
             </a:fld>
             <a:endParaRPr lang="en-US" dirty="0"/>
           </a:p>
@@ -8564,7 +8570,7 @@
             <a:fld id="{B61BEF0D-F0BB-DE4B-95CE-6DB70DBA9567}" type="datetimeFigureOut">
               <a:rPr lang="en-US" dirty="0"/>
               <a:pPr/>
-              <a:t>7/15/2019</a:t>
+              <a:t>7/19/2019</a:t>
             </a:fld>
             <a:endParaRPr lang="en-US" dirty="0"/>
           </a:p>
@@ -9441,6 +9447,13 @@
   <p:clrMapOvr>
     <a:masterClrMapping/>
   </p:clrMapOvr>
+  <p:timing>
+    <p:tnLst>
+      <p:par>
+        <p:cTn id="1" dur="indefinite" restart="never" nodeType="tmRoot"/>
+      </p:par>
+    </p:tnLst>
+  </p:timing>
 </p:sld>
 </file>
 
@@ -9536,6 +9549,13 @@
   <p:clrMapOvr>
     <a:masterClrMapping/>
   </p:clrMapOvr>
+  <p:timing>
+    <p:tnLst>
+      <p:par>
+        <p:cTn id="1" dur="indefinite" restart="never" nodeType="tmRoot"/>
+      </p:par>
+    </p:tnLst>
+  </p:timing>
 </p:sld>
 </file>
 
@@ -10048,6 +10068,13 @@
   <p:clrMapOvr>
     <a:masterClrMapping/>
   </p:clrMapOvr>
+  <p:timing>
+    <p:tnLst>
+      <p:par>
+        <p:cTn id="1" dur="indefinite" restart="never" nodeType="tmRoot"/>
+      </p:par>
+    </p:tnLst>
+  </p:timing>
 </p:sld>
 </file>
 
@@ -10077,7 +10104,7 @@
         <p:spPr>
           <a:xfrm>
             <a:off x="1738648" y="1532586"/>
-            <a:ext cx="9994006" cy="3046988"/>
+            <a:ext cx="9994006" cy="4524315"/>
           </a:xfrm>
           <a:prstGeom prst="rect">
             <a:avLst/>
@@ -10146,8 +10173,31 @@
           <a:p>
             <a:r>
               <a:rPr lang="en-US" sz="2400" dirty="0"/>
-              <a:t>		Visual Web Developer</a:t>
-            </a:r>
+              <a:t>		Visual Web </a:t>
+            </a:r>
+            <a:r>
+              <a:rPr lang="en-US" sz="2400" dirty="0" smtClean="0"/>
+              <a:t>Developer</a:t>
+            </a:r>
+          </a:p>
+          <a:p>
+            <a:endParaRPr lang="en-US" sz="2400" dirty="0"/>
+          </a:p>
+          <a:p>
+            <a:endParaRPr lang="en-US" sz="2400" dirty="0" smtClean="0"/>
+          </a:p>
+          <a:p>
+            <a:r>
+              <a:rPr lang="en-US" sz="2400" dirty="0" smtClean="0"/>
+              <a:t> RajaLakshmi : 8071994407</a:t>
+            </a:r>
+          </a:p>
+          <a:p>
+            <a:r>
+              <a:rPr lang="en-US" sz="2400" dirty="0" smtClean="0"/>
+              <a:t>08023398018</a:t>
+            </a:r>
+            <a:endParaRPr lang="en-US" sz="2400" dirty="0"/>
           </a:p>
         </p:txBody>
       </p:sp>
@@ -10161,6 +10211,13 @@
   <p:clrMapOvr>
     <a:masterClrMapping/>
   </p:clrMapOvr>
+  <p:timing>
+    <p:tnLst>
+      <p:par>
+        <p:cTn id="1" dur="indefinite" restart="never" nodeType="tmRoot"/>
+      </p:par>
+    </p:tnLst>
+  </p:timing>
 </p:sld>
 </file>
 
@@ -10948,6 +11005,13 @@
   <p:clrMapOvr>
     <a:masterClrMapping/>
   </p:clrMapOvr>
+  <p:timing>
+    <p:tnLst>
+      <p:par>
+        <p:cTn id="1" dur="indefinite" restart="never" nodeType="tmRoot"/>
+      </p:par>
+    </p:tnLst>
+  </p:timing>
 </p:sld>
 </file>
 
@@ -11487,14 +11551,6 @@
               </a:rPr>
               <a:t>ADO.NET</a:t>
             </a:r>
-            <a:endParaRPr lang="en-US" sz="4000" dirty="0">
-              <a:solidFill>
-                <a:srgbClr val="000000"/>
-              </a:solidFill>
-              <a:latin typeface="Monotype Corsiva" panose="03010101010201010101" pitchFamily="66" charset="0"/>
-              <a:ea typeface="+mn-ea"/>
-              <a:cs typeface="+mn-cs"/>
-            </a:endParaRPr>
           </a:p>
         </p:txBody>
       </p:sp>
@@ -11881,12 +11937,6 @@
               </a:rPr>
               <a:t> consists of the following four objects </a:t>
             </a:r>
-            <a:endParaRPr lang="en-US" sz="2400" dirty="0">
-              <a:solidFill>
-                <a:srgbClr val="000000"/>
-              </a:solidFill>
-              <a:latin typeface="Verdana" panose="020B0604030504040204" pitchFamily="34" charset="0"/>
-            </a:endParaRPr>
           </a:p>
         </p:txBody>
       </p:sp>
@@ -12052,7 +12102,6 @@
               <a:rPr lang="en-US" dirty="0"/>
               <a:t> since data is transferred to and from a database through a data adapter. It retrieves data from a database into a dataset and updates the database. When changes are made to the dataset, the changes in the database are actually done by the data adapter.</a:t>
             </a:r>
-            <a:endParaRPr lang="en-US" dirty="0"/>
           </a:p>
         </p:txBody>
       </p:sp>
@@ -12101,8 +12150,8 @@
         </p:nvSpPr>
         <p:spPr>
           <a:xfrm>
-            <a:off x="2395471" y="553791"/>
-            <a:ext cx="8731875" cy="5078313"/>
+            <a:off x="2369713" y="373487"/>
+            <a:ext cx="8731875" cy="6186309"/>
           </a:xfrm>
           <a:prstGeom prst="rect">
             <a:avLst/>
@@ -12114,17 +12163,19 @@
           </a:bodyPr>
           <a:lstStyle/>
           <a:p>
-            <a:pPr algn="just">
+            <a:pPr indent="-342900">
               <a:lnSpc>
                 <a:spcPct val="150000"/>
               </a:lnSpc>
+              <a:buFont typeface="Arial" panose="020B0604020202020204" pitchFamily="34" charset="0"/>
+              <a:buChar char="•"/>
             </a:pPr>
             <a:r>
               <a:rPr lang="en-US" sz="2400" dirty="0" err="1">
                 <a:solidFill>
                   <a:srgbClr val="000000"/>
                 </a:solidFill>
-                <a:latin typeface="Times New Roman" panose="02020603050405020304" pitchFamily="18" charset="0"/>
+                <a:latin typeface="Verdana" panose="020B0604030504040204" pitchFamily="34" charset="0"/>
               </a:rPr>
               <a:t>ExecuteNonQuery</a:t>
             </a:r>
@@ -12133,7 +12184,7 @@
                 <a:solidFill>
                   <a:srgbClr val="000000"/>
                 </a:solidFill>
-                <a:latin typeface="Times New Roman" panose="02020603050405020304" pitchFamily="18" charset="0"/>
+                <a:latin typeface="Verdana" panose="020B0604030504040204" pitchFamily="34" charset="0"/>
               </a:rPr>
               <a:t>() is one of the most frequently used method in </a:t>
             </a:r>
@@ -12142,7 +12193,7 @@
                 <a:solidFill>
                   <a:srgbClr val="000000"/>
                 </a:solidFill>
-                <a:latin typeface="Times New Roman" panose="02020603050405020304" pitchFamily="18" charset="0"/>
+                <a:latin typeface="Verdana" panose="020B0604030504040204" pitchFamily="34" charset="0"/>
               </a:rPr>
               <a:t>SqlCommand</a:t>
             </a:r>
@@ -12151,77 +12202,133 @@
                 <a:solidFill>
                   <a:srgbClr val="000000"/>
                 </a:solidFill>
-                <a:latin typeface="Times New Roman" panose="02020603050405020304" pitchFamily="18" charset="0"/>
-              </a:rPr>
-              <a:t> Object and is used for executing statements that do not return result set. </a:t>
-            </a:r>
-            <a:r>
-              <a:rPr lang="en-US" sz="2400" dirty="0" err="1">
-                <a:solidFill>
-                  <a:srgbClr val="000000"/>
-                </a:solidFill>
-                <a:latin typeface="Times New Roman" panose="02020603050405020304" pitchFamily="18" charset="0"/>
-              </a:rPr>
-              <a:t>ExecuteNonQuery</a:t>
-            </a:r>
-            <a:r>
-              <a:rPr lang="en-US" sz="2400" dirty="0">
-                <a:solidFill>
-                  <a:srgbClr val="000000"/>
-                </a:solidFill>
-                <a:latin typeface="Times New Roman" panose="02020603050405020304" pitchFamily="18" charset="0"/>
-              </a:rPr>
-              <a:t>() performs Data Definition tasks as well as Data Manipulation tasks also. The Data Definition tasks like creating Stored Procedures and Views perform by </a:t>
-            </a:r>
-            <a:r>
-              <a:rPr lang="en-US" sz="2400" dirty="0" err="1">
-                <a:solidFill>
-                  <a:srgbClr val="000000"/>
-                </a:solidFill>
-                <a:latin typeface="Times New Roman" panose="02020603050405020304" pitchFamily="18" charset="0"/>
-              </a:rPr>
-              <a:t>ExecuteNonQuery</a:t>
-            </a:r>
-            <a:r>
-              <a:rPr lang="en-US" sz="2400" dirty="0">
-                <a:solidFill>
-                  <a:srgbClr val="000000"/>
-                </a:solidFill>
-                <a:latin typeface="Times New Roman" panose="02020603050405020304" pitchFamily="18" charset="0"/>
-              </a:rPr>
-              <a:t>() . Also Data Manipulation tasks like Insert , Update and Delete perform by </a:t>
-            </a:r>
-            <a:r>
-              <a:rPr lang="en-US" sz="2400" dirty="0" err="1">
-                <a:solidFill>
-                  <a:srgbClr val="000000"/>
-                </a:solidFill>
-                <a:latin typeface="Times New Roman" panose="02020603050405020304" pitchFamily="18" charset="0"/>
-              </a:rPr>
-              <a:t>ExecuteNonQuery</a:t>
-            </a:r>
-            <a:r>
-              <a:rPr lang="en-US" sz="2400" dirty="0">
-                <a:solidFill>
-                  <a:srgbClr val="000000"/>
-                </a:solidFill>
-                <a:latin typeface="Times New Roman" panose="02020603050405020304" pitchFamily="18" charset="0"/>
-              </a:rPr>
-              <a:t>().</a:t>
-            </a:r>
-          </a:p>
-          <a:p>
-            <a:pPr algn="just">
+                <a:latin typeface="Verdana" panose="020B0604030504040204" pitchFamily="34" charset="0"/>
+              </a:rPr>
+              <a:t> Object and is used for executing statements that do not return result set.</a:t>
+            </a:r>
+          </a:p>
+          <a:p>
+            <a:pPr indent="-342900">
               <a:lnSpc>
                 <a:spcPct val="150000"/>
               </a:lnSpc>
+              <a:buFont typeface="Arial" panose="020B0604020202020204" pitchFamily="34" charset="0"/>
+              <a:buChar char="•"/>
             </a:pPr>
             <a:r>
               <a:rPr lang="en-US" sz="2400" dirty="0">
                 <a:solidFill>
                   <a:srgbClr val="000000"/>
                 </a:solidFill>
-                <a:latin typeface="Times New Roman" panose="02020603050405020304" pitchFamily="18" charset="0"/>
+                <a:latin typeface="Verdana" panose="020B0604030504040204" pitchFamily="34" charset="0"/>
+              </a:rPr>
+              <a:t> </a:t>
+            </a:r>
+            <a:r>
+              <a:rPr lang="en-US" sz="2400" dirty="0" err="1">
+                <a:solidFill>
+                  <a:srgbClr val="000000"/>
+                </a:solidFill>
+                <a:latin typeface="Verdana" panose="020B0604030504040204" pitchFamily="34" charset="0"/>
+              </a:rPr>
+              <a:t>ExecuteNonQuery</a:t>
+            </a:r>
+            <a:r>
+              <a:rPr lang="en-US" sz="2400" dirty="0">
+                <a:solidFill>
+                  <a:srgbClr val="000000"/>
+                </a:solidFill>
+                <a:latin typeface="Verdana" panose="020B0604030504040204" pitchFamily="34" charset="0"/>
+              </a:rPr>
+              <a:t>() performs Data Definition tasks as well as Data Manipulation tasks also. </a:t>
+            </a:r>
+          </a:p>
+          <a:p>
+            <a:pPr indent="-342900">
+              <a:lnSpc>
+                <a:spcPct val="150000"/>
+              </a:lnSpc>
+              <a:buFont typeface="Arial" panose="020B0604020202020204" pitchFamily="34" charset="0"/>
+              <a:buChar char="•"/>
+            </a:pPr>
+            <a:r>
+              <a:rPr lang="en-US" sz="2400" dirty="0">
+                <a:solidFill>
+                  <a:srgbClr val="000000"/>
+                </a:solidFill>
+                <a:latin typeface="Verdana" panose="020B0604030504040204" pitchFamily="34" charset="0"/>
+              </a:rPr>
+              <a:t>The Data Definition tasks like creating Stored Procedures and Views perform by </a:t>
+            </a:r>
+            <a:r>
+              <a:rPr lang="en-US" sz="2400" dirty="0" err="1">
+                <a:solidFill>
+                  <a:srgbClr val="000000"/>
+                </a:solidFill>
+                <a:latin typeface="Verdana" panose="020B0604030504040204" pitchFamily="34" charset="0"/>
+              </a:rPr>
+              <a:t>ExecuteNonQuery</a:t>
+            </a:r>
+            <a:r>
+              <a:rPr lang="en-US" sz="2400" dirty="0">
+                <a:solidFill>
+                  <a:srgbClr val="000000"/>
+                </a:solidFill>
+                <a:latin typeface="Verdana" panose="020B0604030504040204" pitchFamily="34" charset="0"/>
+              </a:rPr>
+              <a:t>() . </a:t>
+            </a:r>
+          </a:p>
+          <a:p>
+            <a:pPr indent="-342900">
+              <a:lnSpc>
+                <a:spcPct val="150000"/>
+              </a:lnSpc>
+              <a:buFont typeface="Arial" panose="020B0604020202020204" pitchFamily="34" charset="0"/>
+              <a:buChar char="•"/>
+            </a:pPr>
+            <a:r>
+              <a:rPr lang="en-US" sz="2400" dirty="0">
+                <a:solidFill>
+                  <a:srgbClr val="000000"/>
+                </a:solidFill>
+                <a:latin typeface="Verdana" panose="020B0604030504040204" pitchFamily="34" charset="0"/>
+              </a:rPr>
+              <a:t>Also Data Manipulation tasks like Insert , Update and Delete perform by </a:t>
+            </a:r>
+            <a:r>
+              <a:rPr lang="en-US" sz="2400" dirty="0" err="1">
+                <a:solidFill>
+                  <a:srgbClr val="000000"/>
+                </a:solidFill>
+                <a:latin typeface="Verdana" panose="020B0604030504040204" pitchFamily="34" charset="0"/>
+              </a:rPr>
+              <a:t>ExecuteNonQuery</a:t>
+            </a:r>
+            <a:r>
+              <a:rPr lang="en-US" sz="2400" dirty="0">
+                <a:solidFill>
+                  <a:srgbClr val="000000"/>
+                </a:solidFill>
+                <a:latin typeface="Verdana" panose="020B0604030504040204" pitchFamily="34" charset="0"/>
+              </a:rPr>
+              <a:t>().</a:t>
+            </a:r>
+          </a:p>
+          <a:p>
+            <a:pPr indent="-342900">
+              <a:lnSpc>
+                <a:spcPct val="150000"/>
+              </a:lnSpc>
+              <a:buFont typeface="Arial" panose="020B0604020202020204" pitchFamily="34" charset="0"/>
+              <a:buChar char="•"/>
+            </a:pPr>
+            <a:r>
+              <a:rPr lang="en-US" sz="2400" dirty="0">
+                <a:solidFill>
+                  <a:srgbClr val="000000"/>
+                </a:solidFill>
+                <a:latin typeface="Verdana" panose="020B0604030504040204" pitchFamily="34" charset="0"/>
               </a:rPr>
               <a:t>The following example shows how to use the method </a:t>
             </a:r>
@@ -12230,7 +12337,7 @@
                 <a:solidFill>
                   <a:srgbClr val="000000"/>
                 </a:solidFill>
-                <a:latin typeface="Times New Roman" panose="02020603050405020304" pitchFamily="18" charset="0"/>
+                <a:latin typeface="Verdana" panose="020B0604030504040204" pitchFamily="34" charset="0"/>
               </a:rPr>
               <a:t>ExecuteNonQuery</a:t>
             </a:r>
@@ -12239,7 +12346,7 @@
                 <a:solidFill>
                   <a:srgbClr val="000000"/>
                 </a:solidFill>
-                <a:latin typeface="Times New Roman" panose="02020603050405020304" pitchFamily="18" charset="0"/>
+                <a:latin typeface="Verdana" panose="020B0604030504040204" pitchFamily="34" charset="0"/>
               </a:rPr>
               <a:t>() through </a:t>
             </a:r>
@@ -12248,7 +12355,7 @@
                 <a:solidFill>
                   <a:srgbClr val="000000"/>
                 </a:solidFill>
-                <a:latin typeface="Times New Roman" panose="02020603050405020304" pitchFamily="18" charset="0"/>
+                <a:latin typeface="Verdana" panose="020B0604030504040204" pitchFamily="34" charset="0"/>
               </a:rPr>
               <a:t>SqlCommand</a:t>
             </a:r>
@@ -12257,18 +12364,9 @@
                 <a:solidFill>
                   <a:srgbClr val="000000"/>
                 </a:solidFill>
-                <a:latin typeface="Times New Roman" panose="02020603050405020304" pitchFamily="18" charset="0"/>
-              </a:rPr>
-              <a:t> Object</a:t>
-            </a:r>
-            <a:r>
-              <a:rPr lang="en-US" sz="2400" dirty="0" smtClean="0">
-                <a:solidFill>
-                  <a:srgbClr val="000000"/>
-                </a:solidFill>
-                <a:latin typeface="Times New Roman" panose="02020603050405020304" pitchFamily="18" charset="0"/>
-              </a:rPr>
-              <a:t>.</a:t>
+                <a:latin typeface="Verdana" panose="020B0604030504040204" pitchFamily="34" charset="0"/>
+              </a:rPr>
+              <a:t> Object.</a:t>
             </a:r>
           </a:p>
         </p:txBody>
@@ -12303,248 +12401,10 @@
           <a:chExt cx="0" cy="0"/>
         </a:xfrm>
       </p:grpSpPr>
-      <p:sp>
-        <p:nvSpPr>
-          <p:cNvPr id="2" name="Title 1"/>
-          <p:cNvSpPr txBox="1">
-            <a:spLocks/>
-          </p:cNvSpPr>
-          <p:nvPr/>
-        </p:nvSpPr>
-        <p:spPr>
-          <a:xfrm>
-            <a:off x="2592925" y="624109"/>
-            <a:ext cx="4567730" cy="831203"/>
-          </a:xfrm>
-          <a:prstGeom prst="rect">
-            <a:avLst/>
-          </a:prstGeom>
-        </p:spPr>
-        <p:txBody>
-          <a:bodyPr>
-            <a:normAutofit/>
-          </a:bodyPr>
-          <a:lstStyle>
-            <a:lvl1pPr algn="l" defTabSz="457200" rtl="0" eaLnBrk="1" latinLnBrk="0" hangingPunct="1">
-              <a:spcBef>
-                <a:spcPct val="0"/>
-              </a:spcBef>
-              <a:buNone/>
-              <a:defRPr sz="3600" kern="1200">
-                <a:solidFill>
-                  <a:schemeClr val="tx1">
-                    <a:lumMod val="85000"/>
-                    <a:lumOff val="15000"/>
-                  </a:schemeClr>
-                </a:solidFill>
-                <a:latin typeface="+mj-lt"/>
-                <a:ea typeface="+mj-ea"/>
-                <a:cs typeface="+mj-cs"/>
-              </a:defRPr>
-            </a:lvl1pPr>
-            <a:lvl2pPr eaLnBrk="1" hangingPunct="1">
-              <a:defRPr>
-                <a:solidFill>
-                  <a:schemeClr val="tx2"/>
-                </a:solidFill>
-              </a:defRPr>
-            </a:lvl2pPr>
-            <a:lvl3pPr eaLnBrk="1" hangingPunct="1">
-              <a:defRPr>
-                <a:solidFill>
-                  <a:schemeClr val="tx2"/>
-                </a:solidFill>
-              </a:defRPr>
-            </a:lvl3pPr>
-            <a:lvl4pPr eaLnBrk="1" hangingPunct="1">
-              <a:defRPr>
-                <a:solidFill>
-                  <a:schemeClr val="tx2"/>
-                </a:solidFill>
-              </a:defRPr>
-            </a:lvl4pPr>
-            <a:lvl5pPr eaLnBrk="1" hangingPunct="1">
-              <a:defRPr>
-                <a:solidFill>
-                  <a:schemeClr val="tx2"/>
-                </a:solidFill>
-              </a:defRPr>
-            </a:lvl5pPr>
-            <a:lvl6pPr eaLnBrk="1" hangingPunct="1">
-              <a:defRPr>
-                <a:solidFill>
-                  <a:schemeClr val="tx2"/>
-                </a:solidFill>
-              </a:defRPr>
-            </a:lvl6pPr>
-            <a:lvl7pPr eaLnBrk="1" hangingPunct="1">
-              <a:defRPr>
-                <a:solidFill>
-                  <a:schemeClr val="tx2"/>
-                </a:solidFill>
-              </a:defRPr>
-            </a:lvl7pPr>
-            <a:lvl8pPr eaLnBrk="1" hangingPunct="1">
-              <a:defRPr>
-                <a:solidFill>
-                  <a:schemeClr val="tx2"/>
-                </a:solidFill>
-              </a:defRPr>
-            </a:lvl8pPr>
-            <a:lvl9pPr eaLnBrk="1" hangingPunct="1">
-              <a:defRPr>
-                <a:solidFill>
-                  <a:schemeClr val="tx2"/>
-                </a:solidFill>
-              </a:defRPr>
-            </a:lvl9pPr>
-          </a:lstStyle>
-          <a:p>
-            <a:r>
-              <a:rPr lang="en-US" dirty="0" err="1" smtClean="0"/>
-              <a:t>SqlCommand</a:t>
-            </a:r>
-            <a:endParaRPr lang="en-US" dirty="0"/>
-          </a:p>
-        </p:txBody>
-      </p:sp>
-      <p:sp>
-        <p:nvSpPr>
-          <p:cNvPr id="3" name="Rectangle 2"/>
-          <p:cNvSpPr/>
-          <p:nvPr/>
-        </p:nvSpPr>
-        <p:spPr>
-          <a:xfrm>
-            <a:off x="1287887" y="1558344"/>
-            <a:ext cx="10625071" cy="3970318"/>
-          </a:xfrm>
-          <a:prstGeom prst="rect">
-            <a:avLst/>
-          </a:prstGeom>
-        </p:spPr>
-        <p:txBody>
-          <a:bodyPr wrap="square">
-            <a:spAutoFit/>
-          </a:bodyPr>
-          <a:lstStyle/>
-          <a:p>
-            <a:pPr algn="just">
-              <a:lnSpc>
-                <a:spcPct val="150000"/>
-              </a:lnSpc>
-            </a:pPr>
-            <a:r>
-              <a:rPr lang="en-US" sz="2400" dirty="0" err="1" smtClean="0">
-                <a:solidFill>
-                  <a:srgbClr val="000000"/>
-                </a:solidFill>
-                <a:latin typeface="Verdana" panose="020B0604030504040204" pitchFamily="34" charset="0"/>
-              </a:rPr>
-              <a:t>SqlCommand</a:t>
-            </a:r>
-            <a:r>
-              <a:rPr lang="en-US" sz="2400" dirty="0" smtClean="0">
-                <a:solidFill>
-                  <a:srgbClr val="000000"/>
-                </a:solidFill>
-                <a:latin typeface="Verdana" panose="020B0604030504040204" pitchFamily="34" charset="0"/>
-              </a:rPr>
-              <a:t> is a Class allows you to write a query and send commands to Database.</a:t>
-            </a:r>
-          </a:p>
-          <a:p>
-            <a:pPr algn="just">
-              <a:lnSpc>
-                <a:spcPct val="150000"/>
-              </a:lnSpc>
-            </a:pPr>
-            <a:r>
-              <a:rPr lang="en-US" sz="2400" dirty="0" smtClean="0">
-                <a:solidFill>
-                  <a:srgbClr val="000000"/>
-                </a:solidFill>
-                <a:latin typeface="Verdana" panose="020B0604030504040204" pitchFamily="34" charset="0"/>
-              </a:rPr>
-              <a:t>It has methods that are specialized for different commands</a:t>
-            </a:r>
-          </a:p>
-          <a:p>
-            <a:pPr marL="457200" indent="-457200" algn="just">
-              <a:lnSpc>
-                <a:spcPct val="150000"/>
-              </a:lnSpc>
-              <a:buAutoNum type="arabicParenR"/>
-            </a:pPr>
-            <a:r>
-              <a:rPr lang="en-US" sz="2400" dirty="0" err="1" smtClean="0">
-                <a:solidFill>
-                  <a:srgbClr val="000000"/>
-                </a:solidFill>
-                <a:latin typeface="Verdana" panose="020B0604030504040204" pitchFamily="34" charset="0"/>
-              </a:rPr>
-              <a:t>ExecuteReader</a:t>
-            </a:r>
-            <a:r>
-              <a:rPr lang="en-US" sz="2400" dirty="0" smtClean="0">
-                <a:solidFill>
-                  <a:srgbClr val="000000"/>
-                </a:solidFill>
-                <a:latin typeface="Verdana" panose="020B0604030504040204" pitchFamily="34" charset="0"/>
-              </a:rPr>
-              <a:t>() : Returns </a:t>
-            </a:r>
-            <a:r>
-              <a:rPr lang="en-US" sz="2400" dirty="0" err="1" smtClean="0">
-                <a:solidFill>
-                  <a:srgbClr val="000000"/>
-                </a:solidFill>
-                <a:latin typeface="Verdana" panose="020B0604030504040204" pitchFamily="34" charset="0"/>
-              </a:rPr>
-              <a:t>SqlDataReader</a:t>
-            </a:r>
-            <a:r>
-              <a:rPr lang="en-US" sz="2400" dirty="0" smtClean="0">
-                <a:solidFill>
-                  <a:srgbClr val="000000"/>
-                </a:solidFill>
-                <a:latin typeface="Verdana" panose="020B0604030504040204" pitchFamily="34" charset="0"/>
-              </a:rPr>
-              <a:t> object to view the results of a SELECT query </a:t>
-            </a:r>
-          </a:p>
-          <a:p>
-            <a:pPr marL="457200" indent="-457200" algn="just">
-              <a:lnSpc>
-                <a:spcPct val="150000"/>
-              </a:lnSpc>
-              <a:buAutoNum type="arabicParenR"/>
-            </a:pPr>
-            <a:r>
-              <a:rPr lang="en-US" sz="2400" dirty="0" err="1" smtClean="0">
-                <a:solidFill>
-                  <a:srgbClr val="000000"/>
-                </a:solidFill>
-                <a:latin typeface="Verdana" panose="020B0604030504040204" pitchFamily="34" charset="0"/>
-              </a:rPr>
-              <a:t>ExecuteNonQuery</a:t>
-            </a:r>
-            <a:r>
-              <a:rPr lang="en-US" sz="2400" dirty="0" smtClean="0">
-                <a:solidFill>
-                  <a:srgbClr val="000000"/>
-                </a:solidFill>
-                <a:latin typeface="Verdana" panose="020B0604030504040204" pitchFamily="34" charset="0"/>
-              </a:rPr>
-              <a:t>() : This Method is used to execute INSERT , UPDATE and DELETE commands.</a:t>
-            </a:r>
-          </a:p>
-        </p:txBody>
-      </p:sp>
     </p:spTree>
     <p:extLst>
       <p:ext uri="{BB962C8B-B14F-4D97-AF65-F5344CB8AC3E}">
-        <p14:creationId xmlns:p14="http://schemas.microsoft.com/office/powerpoint/2010/main" val="1285937129"/>
+        <p14:creationId xmlns:p14="http://schemas.microsoft.com/office/powerpoint/2010/main" val="594010000"/>
       </p:ext>
     </p:extLst>
   </p:cSld>
@@ -12571,10 +12431,220 @@
           <a:chExt cx="0" cy="0"/>
         </a:xfrm>
       </p:grpSpPr>
+      <p:sp>
+        <p:nvSpPr>
+          <p:cNvPr id="2" name="Rectangle 1"/>
+          <p:cNvSpPr/>
+          <p:nvPr/>
+        </p:nvSpPr>
+        <p:spPr>
+          <a:xfrm>
+            <a:off x="1734355" y="589744"/>
+            <a:ext cx="6031605" cy="830997"/>
+          </a:xfrm>
+          <a:prstGeom prst="rect">
+            <a:avLst/>
+          </a:prstGeom>
+        </p:spPr>
+        <p:txBody>
+          <a:bodyPr wrap="square">
+            <a:spAutoFit/>
+          </a:bodyPr>
+          <a:lstStyle/>
+          <a:p>
+            <a:pPr algn="just">
+              <a:lnSpc>
+                <a:spcPct val="150000"/>
+              </a:lnSpc>
+            </a:pPr>
+            <a:r>
+              <a:rPr lang="en-US" sz="3200" dirty="0" smtClean="0">
+                <a:solidFill>
+                  <a:srgbClr val="000000"/>
+                </a:solidFill>
+                <a:latin typeface="Verdana" panose="020B0604030504040204" pitchFamily="34" charset="0"/>
+              </a:rPr>
+              <a:t>DATABASE CONNECTION </a:t>
+            </a:r>
+            <a:endParaRPr lang="en-US" sz="3200" dirty="0">
+              <a:solidFill>
+                <a:srgbClr val="000000"/>
+              </a:solidFill>
+              <a:latin typeface="Verdana" panose="020B0604030504040204" pitchFamily="34" charset="0"/>
+            </a:endParaRPr>
+          </a:p>
+        </p:txBody>
+      </p:sp>
+      <p:sp>
+        <p:nvSpPr>
+          <p:cNvPr id="3" name="Rectangle 2"/>
+          <p:cNvSpPr/>
+          <p:nvPr/>
+        </p:nvSpPr>
+        <p:spPr>
+          <a:xfrm>
+            <a:off x="1287887" y="1558344"/>
+            <a:ext cx="10625071" cy="3416320"/>
+          </a:xfrm>
+          <a:prstGeom prst="rect">
+            <a:avLst/>
+          </a:prstGeom>
+        </p:spPr>
+        <p:txBody>
+          <a:bodyPr wrap="square">
+            <a:spAutoFit/>
+          </a:bodyPr>
+          <a:lstStyle/>
+          <a:p>
+            <a:pPr marL="342900" indent="-342900" algn="just">
+              <a:lnSpc>
+                <a:spcPct val="150000"/>
+              </a:lnSpc>
+              <a:buFont typeface="Arial" panose="020B0604020202020204" pitchFamily="34" charset="0"/>
+              <a:buChar char="•"/>
+            </a:pPr>
+            <a:r>
+              <a:rPr lang="en-US" sz="2400" dirty="0" smtClean="0">
+                <a:solidFill>
+                  <a:srgbClr val="000000"/>
+                </a:solidFill>
+                <a:latin typeface="Verdana" panose="020B0604030504040204" pitchFamily="34" charset="0"/>
+              </a:rPr>
+              <a:t>Create a Project </a:t>
+            </a:r>
+          </a:p>
+          <a:p>
+            <a:pPr marL="342900" indent="-342900" algn="just">
+              <a:lnSpc>
+                <a:spcPct val="150000"/>
+              </a:lnSpc>
+              <a:buFont typeface="Arial" panose="020B0604020202020204" pitchFamily="34" charset="0"/>
+              <a:buChar char="•"/>
+            </a:pPr>
+            <a:r>
+              <a:rPr lang="en-US" sz="2400" dirty="0" smtClean="0">
+                <a:solidFill>
+                  <a:srgbClr val="000000"/>
+                </a:solidFill>
+                <a:latin typeface="Verdana" panose="020B0604030504040204" pitchFamily="34" charset="0"/>
+              </a:rPr>
+              <a:t>Create .</a:t>
+            </a:r>
+            <a:r>
+              <a:rPr lang="en-US" sz="2400" dirty="0" err="1" smtClean="0">
+                <a:solidFill>
+                  <a:srgbClr val="000000"/>
+                </a:solidFill>
+                <a:latin typeface="Verdana" panose="020B0604030504040204" pitchFamily="34" charset="0"/>
+              </a:rPr>
+              <a:t>mdf</a:t>
+            </a:r>
+            <a:r>
+              <a:rPr lang="en-US" sz="2400" dirty="0" smtClean="0">
+                <a:solidFill>
+                  <a:srgbClr val="000000"/>
+                </a:solidFill>
+                <a:latin typeface="Verdana" panose="020B0604030504040204" pitchFamily="34" charset="0"/>
+              </a:rPr>
+              <a:t> file by Adding DataBase Connection</a:t>
+            </a:r>
+          </a:p>
+          <a:p>
+            <a:pPr marL="342900" indent="-342900" algn="just">
+              <a:lnSpc>
+                <a:spcPct val="150000"/>
+              </a:lnSpc>
+              <a:buFont typeface="Arial" panose="020B0604020202020204" pitchFamily="34" charset="0"/>
+              <a:buChar char="•"/>
+            </a:pPr>
+            <a:r>
+              <a:rPr lang="en-US" sz="2400" dirty="0" smtClean="0">
+                <a:solidFill>
+                  <a:srgbClr val="000000"/>
+                </a:solidFill>
+                <a:latin typeface="Verdana" panose="020B0604030504040204" pitchFamily="34" charset="0"/>
+              </a:rPr>
+              <a:t>Create a Table and Table Structure in DB( </a:t>
+            </a:r>
+            <a:r>
+              <a:rPr lang="en-US" sz="2400" dirty="0" smtClean="0">
+                <a:solidFill>
+                  <a:srgbClr val="FF0000"/>
+                </a:solidFill>
+                <a:latin typeface="Verdana" panose="020B0604030504040204" pitchFamily="34" charset="0"/>
+              </a:rPr>
+              <a:t>Declare Primary Key</a:t>
+            </a:r>
+            <a:r>
+              <a:rPr lang="en-US" sz="2400" dirty="0" smtClean="0">
+                <a:solidFill>
+                  <a:srgbClr val="000000"/>
+                </a:solidFill>
+                <a:latin typeface="Verdana" panose="020B0604030504040204" pitchFamily="34" charset="0"/>
+              </a:rPr>
+              <a:t> )</a:t>
+            </a:r>
+          </a:p>
+          <a:p>
+            <a:pPr marL="342900" indent="-342900" algn="just">
+              <a:lnSpc>
+                <a:spcPct val="150000"/>
+              </a:lnSpc>
+              <a:buFont typeface="Arial" panose="020B0604020202020204" pitchFamily="34" charset="0"/>
+              <a:buChar char="•"/>
+            </a:pPr>
+            <a:r>
+              <a:rPr lang="en-US" sz="2400" dirty="0" smtClean="0">
+                <a:solidFill>
+                  <a:srgbClr val="000000"/>
+                </a:solidFill>
+                <a:latin typeface="Verdana" panose="020B0604030504040204" pitchFamily="34" charset="0"/>
+              </a:rPr>
+              <a:t>Create Module Class and declare a </a:t>
+            </a:r>
+            <a:r>
+              <a:rPr lang="en-US" sz="2400" dirty="0" smtClean="0">
+                <a:solidFill>
+                  <a:srgbClr val="FF0000"/>
+                </a:solidFill>
+                <a:latin typeface="Verdana" panose="020B0604030504040204" pitchFamily="34" charset="0"/>
+              </a:rPr>
+              <a:t>Conn</a:t>
+            </a:r>
+            <a:r>
+              <a:rPr lang="en-US" sz="2400" dirty="0" smtClean="0">
+                <a:solidFill>
+                  <a:srgbClr val="000000"/>
+                </a:solidFill>
+                <a:latin typeface="Verdana" panose="020B0604030504040204" pitchFamily="34" charset="0"/>
+              </a:rPr>
+              <a:t> String</a:t>
+            </a:r>
+          </a:p>
+          <a:p>
+            <a:pPr marL="342900" indent="-342900" algn="just">
+              <a:lnSpc>
+                <a:spcPct val="150000"/>
+              </a:lnSpc>
+              <a:buFont typeface="Arial" panose="020B0604020202020204" pitchFamily="34" charset="0"/>
+              <a:buChar char="•"/>
+            </a:pPr>
+            <a:r>
+              <a:rPr lang="en-US" sz="2400" dirty="0" smtClean="0">
+                <a:solidFill>
+                  <a:srgbClr val="000000"/>
+                </a:solidFill>
+                <a:latin typeface="Verdana" panose="020B0604030504040204" pitchFamily="34" charset="0"/>
+              </a:rPr>
+              <a:t>Then perform SAVE , MODIFY AND DELETE OPERATION  on data in DATABASE.</a:t>
+            </a:r>
+          </a:p>
+        </p:txBody>
+      </p:sp>
     </p:spTree>
     <p:extLst>
       <p:ext uri="{BB962C8B-B14F-4D97-AF65-F5344CB8AC3E}">
-        <p14:creationId xmlns:p14="http://schemas.microsoft.com/office/powerpoint/2010/main" val="3997737005"/>
+        <p14:creationId xmlns:p14="http://schemas.microsoft.com/office/powerpoint/2010/main" val="195971717"/>
       </p:ext>
     </p:extLst>
   </p:cSld>
@@ -12609,8 +12679,8 @@
         </p:nvSpPr>
         <p:spPr>
           <a:xfrm>
-            <a:off x="3271234" y="2627290"/>
-            <a:ext cx="3966693" cy="830997"/>
+            <a:off x="1502535" y="291755"/>
+            <a:ext cx="10590727" cy="1146211"/>
           </a:xfrm>
           <a:prstGeom prst="rect">
             <a:avLst/>
@@ -12622,31 +12692,519 @@
           </a:bodyPr>
           <a:lstStyle/>
           <a:p>
-            <a:r>
-              <a:rPr lang="en-US" sz="4800" b="1" dirty="0" smtClean="0"/>
-              <a:t>  Thank You</a:t>
-            </a:r>
-            <a:endParaRPr lang="en-US" sz="4800" dirty="0"/>
+            <a:pPr>
+              <a:lnSpc>
+                <a:spcPct val="107000"/>
+              </a:lnSpc>
+              <a:spcAft>
+                <a:spcPts val="800"/>
+              </a:spcAft>
+            </a:pPr>
+            <a:r>
+              <a:rPr lang="en-US" sz="3200" b="1" u="sng" dirty="0">
+                <a:latin typeface="Calibri" panose="020F0502020204030204" pitchFamily="34" charset="0"/>
+                <a:ea typeface="Calibri" panose="020F0502020204030204" pitchFamily="34" charset="0"/>
+                <a:cs typeface="Times New Roman" panose="02020603050405020304" pitchFamily="18" charset="0"/>
+              </a:rPr>
+              <a:t>Steps to Establish DataBase Connection With Window Application</a:t>
+            </a:r>
+            <a:endParaRPr lang="en-US" sz="3200" dirty="0">
+              <a:effectLst/>
+              <a:latin typeface="Calibri" panose="020F0502020204030204" pitchFamily="34" charset="0"/>
+              <a:ea typeface="Calibri" panose="020F0502020204030204" pitchFamily="34" charset="0"/>
+              <a:cs typeface="Times New Roman" panose="02020603050405020304" pitchFamily="18" charset="0"/>
+            </a:endParaRPr>
+          </a:p>
+        </p:txBody>
+      </p:sp>
+      <p:sp>
+        <p:nvSpPr>
+          <p:cNvPr id="3" name="Rectangle 2"/>
+          <p:cNvSpPr/>
+          <p:nvPr/>
+        </p:nvSpPr>
+        <p:spPr>
+          <a:xfrm>
+            <a:off x="1914658" y="1631282"/>
+            <a:ext cx="8414197" cy="4935005"/>
+          </a:xfrm>
+          <a:prstGeom prst="rect">
+            <a:avLst/>
+          </a:prstGeom>
+        </p:spPr>
+        <p:txBody>
+          <a:bodyPr wrap="square">
+            <a:spAutoFit/>
+          </a:bodyPr>
+          <a:lstStyle/>
+          <a:p>
+            <a:pPr marL="342900" marR="0" lvl="0" indent="-342900">
+              <a:lnSpc>
+                <a:spcPct val="107000"/>
+              </a:lnSpc>
+              <a:spcBef>
+                <a:spcPts val="0"/>
+              </a:spcBef>
+              <a:spcAft>
+                <a:spcPts val="0"/>
+              </a:spcAft>
+              <a:buFont typeface="+mj-lt"/>
+              <a:buAutoNum type="arabicParenR"/>
+            </a:pPr>
+            <a:r>
+              <a:rPr lang="en-US" dirty="0" smtClean="0">
+                <a:latin typeface="Calibri" panose="020F0502020204030204" pitchFamily="34" charset="0"/>
+                <a:ea typeface="Calibri" panose="020F0502020204030204" pitchFamily="34" charset="0"/>
+                <a:cs typeface="Times New Roman" panose="02020603050405020304" pitchFamily="18" charset="0"/>
+              </a:rPr>
+              <a:t>Click on View and Select Database Explorer</a:t>
+            </a:r>
+          </a:p>
+          <a:p>
+            <a:pPr marL="342900" marR="0" lvl="0" indent="-342900">
+              <a:lnSpc>
+                <a:spcPct val="107000"/>
+              </a:lnSpc>
+              <a:spcBef>
+                <a:spcPts val="0"/>
+              </a:spcBef>
+              <a:spcAft>
+                <a:spcPts val="0"/>
+              </a:spcAft>
+              <a:buFont typeface="+mj-lt"/>
+              <a:buAutoNum type="arabicParenR"/>
+            </a:pPr>
+            <a:r>
+              <a:rPr lang="en-US" dirty="0" smtClean="0">
+                <a:latin typeface="Calibri" panose="020F0502020204030204" pitchFamily="34" charset="0"/>
+                <a:ea typeface="Calibri" panose="020F0502020204030204" pitchFamily="34" charset="0"/>
+                <a:cs typeface="Times New Roman" panose="02020603050405020304" pitchFamily="18" charset="0"/>
+              </a:rPr>
+              <a:t>Right </a:t>
+            </a:r>
+            <a:r>
+              <a:rPr lang="en-US" dirty="0">
+                <a:latin typeface="Calibri" panose="020F0502020204030204" pitchFamily="34" charset="0"/>
+                <a:ea typeface="Calibri" panose="020F0502020204030204" pitchFamily="34" charset="0"/>
+                <a:cs typeface="Times New Roman" panose="02020603050405020304" pitchFamily="18" charset="0"/>
+              </a:rPr>
+              <a:t>Click On Database Connection and Select Add </a:t>
+            </a:r>
+            <a:r>
+              <a:rPr lang="en-US" dirty="0" smtClean="0">
+                <a:latin typeface="Calibri" panose="020F0502020204030204" pitchFamily="34" charset="0"/>
+                <a:ea typeface="Calibri" panose="020F0502020204030204" pitchFamily="34" charset="0"/>
+                <a:cs typeface="Times New Roman" panose="02020603050405020304" pitchFamily="18" charset="0"/>
+              </a:rPr>
+              <a:t>connection</a:t>
+            </a:r>
+            <a:endParaRPr lang="en-US" dirty="0">
+              <a:latin typeface="Calibri" panose="020F0502020204030204" pitchFamily="34" charset="0"/>
+              <a:ea typeface="Calibri" panose="020F0502020204030204" pitchFamily="34" charset="0"/>
+              <a:cs typeface="Times New Roman" panose="02020603050405020304" pitchFamily="18" charset="0"/>
+            </a:endParaRPr>
+          </a:p>
+          <a:p>
+            <a:pPr marL="342900" indent="-342900">
+              <a:lnSpc>
+                <a:spcPct val="107000"/>
+              </a:lnSpc>
+              <a:buFont typeface="+mj-lt"/>
+              <a:buAutoNum type="arabicParenR"/>
+            </a:pPr>
+            <a:r>
+              <a:rPr lang="en-US" dirty="0">
+                <a:latin typeface="Calibri" panose="020F0502020204030204" pitchFamily="34" charset="0"/>
+                <a:ea typeface="Calibri" panose="020F0502020204030204" pitchFamily="34" charset="0"/>
+                <a:cs typeface="Times New Roman" panose="02020603050405020304" pitchFamily="18" charset="0"/>
+              </a:rPr>
+              <a:t> Click on Browse for  DataBase  file name </a:t>
+            </a:r>
+            <a:r>
+              <a:rPr lang="en-US" dirty="0" smtClean="0">
+                <a:latin typeface="Calibri" panose="020F0502020204030204" pitchFamily="34" charset="0"/>
+                <a:ea typeface="Calibri" panose="020F0502020204030204" pitchFamily="34" charset="0"/>
+                <a:cs typeface="Times New Roman" panose="02020603050405020304" pitchFamily="18" charset="0"/>
+              </a:rPr>
+              <a:t>and </a:t>
+            </a:r>
+            <a:r>
+              <a:rPr lang="en-US" dirty="0">
+                <a:latin typeface="Calibri" panose="020F0502020204030204" pitchFamily="34" charset="0"/>
+                <a:ea typeface="Calibri" panose="020F0502020204030204" pitchFamily="34" charset="0"/>
+                <a:cs typeface="Times New Roman" panose="02020603050405020304" pitchFamily="18" charset="0"/>
+              </a:rPr>
+              <a:t>Navigate to  Project Directory </a:t>
+            </a:r>
+          </a:p>
+          <a:p>
+            <a:pPr marL="342900" marR="0" lvl="0" indent="-342900">
+              <a:lnSpc>
+                <a:spcPct val="107000"/>
+              </a:lnSpc>
+              <a:spcBef>
+                <a:spcPts val="0"/>
+              </a:spcBef>
+              <a:spcAft>
+                <a:spcPts val="0"/>
+              </a:spcAft>
+              <a:buFont typeface="+mj-lt"/>
+              <a:buAutoNum type="arabicParenR"/>
+            </a:pPr>
+            <a:endParaRPr lang="en-US" dirty="0">
+              <a:latin typeface="Calibri" panose="020F0502020204030204" pitchFamily="34" charset="0"/>
+              <a:ea typeface="Calibri" panose="020F0502020204030204" pitchFamily="34" charset="0"/>
+              <a:cs typeface="Times New Roman" panose="02020603050405020304" pitchFamily="18" charset="0"/>
+            </a:endParaRPr>
+          </a:p>
+          <a:p>
+            <a:pPr marL="457200" marR="0">
+              <a:lnSpc>
+                <a:spcPct val="107000"/>
+              </a:lnSpc>
+              <a:spcBef>
+                <a:spcPts val="0"/>
+              </a:spcBef>
+              <a:spcAft>
+                <a:spcPts val="0"/>
+              </a:spcAft>
+            </a:pPr>
+            <a:r>
+              <a:rPr lang="en-US" dirty="0" smtClean="0">
+                <a:solidFill>
+                  <a:srgbClr val="0070C0"/>
+                </a:solidFill>
+                <a:latin typeface="Calibri" panose="020F0502020204030204" pitchFamily="34" charset="0"/>
+                <a:ea typeface="Calibri" panose="020F0502020204030204" pitchFamily="34" charset="0"/>
+                <a:cs typeface="Times New Roman" panose="02020603050405020304" pitchFamily="18" charset="0"/>
+              </a:rPr>
+              <a:t>C</a:t>
+            </a:r>
+            <a:r>
+              <a:rPr lang="en-US" dirty="0">
+                <a:solidFill>
+                  <a:srgbClr val="0070C0"/>
+                </a:solidFill>
+                <a:latin typeface="Calibri" panose="020F0502020204030204" pitchFamily="34" charset="0"/>
+                <a:ea typeface="Calibri" panose="020F0502020204030204" pitchFamily="34" charset="0"/>
+                <a:cs typeface="Times New Roman" panose="02020603050405020304" pitchFamily="18" charset="0"/>
+              </a:rPr>
+              <a:t>: Documents\\Visual Studio 2010\\Project\\ </a:t>
+            </a:r>
+          </a:p>
+          <a:p>
+            <a:pPr marL="457200" marR="0">
+              <a:lnSpc>
+                <a:spcPct val="107000"/>
+              </a:lnSpc>
+              <a:spcBef>
+                <a:spcPts val="0"/>
+              </a:spcBef>
+              <a:spcAft>
+                <a:spcPts val="0"/>
+              </a:spcAft>
+            </a:pPr>
+            <a:r>
+              <a:rPr lang="en-US" dirty="0">
+                <a:solidFill>
+                  <a:srgbClr val="0070C0"/>
+                </a:solidFill>
+                <a:latin typeface="Calibri" panose="020F0502020204030204" pitchFamily="34" charset="0"/>
+                <a:ea typeface="Calibri" panose="020F0502020204030204" pitchFamily="34" charset="0"/>
+                <a:cs typeface="Times New Roman" panose="02020603050405020304" pitchFamily="18" charset="0"/>
+              </a:rPr>
+              <a:t>Project_Name\\Project_Name\\bin\\Debug\\ </a:t>
+            </a:r>
+          </a:p>
+          <a:p>
+            <a:pPr marL="457200" marR="0">
+              <a:lnSpc>
+                <a:spcPct val="107000"/>
+              </a:lnSpc>
+              <a:spcBef>
+                <a:spcPts val="0"/>
+              </a:spcBef>
+              <a:spcAft>
+                <a:spcPts val="0"/>
+              </a:spcAft>
+            </a:pPr>
+            <a:r>
+              <a:rPr lang="en-US" dirty="0">
+                <a:solidFill>
+                  <a:srgbClr val="0070C0"/>
+                </a:solidFill>
+                <a:latin typeface="Calibri" panose="020F0502020204030204" pitchFamily="34" charset="0"/>
+                <a:ea typeface="Calibri" panose="020F0502020204030204" pitchFamily="34" charset="0"/>
+                <a:cs typeface="Times New Roman" panose="02020603050405020304" pitchFamily="18" charset="0"/>
+              </a:rPr>
+              <a:t>Database_Name.mdf</a:t>
+            </a:r>
+          </a:p>
+          <a:p>
+            <a:pPr marL="457200" marR="0">
+              <a:lnSpc>
+                <a:spcPct val="107000"/>
+              </a:lnSpc>
+              <a:spcBef>
+                <a:spcPts val="0"/>
+              </a:spcBef>
+              <a:spcAft>
+                <a:spcPts val="0"/>
+              </a:spcAft>
+            </a:pPr>
+            <a:r>
+              <a:rPr lang="en-US" dirty="0">
+                <a:latin typeface="Calibri" panose="020F0502020204030204" pitchFamily="34" charset="0"/>
+                <a:ea typeface="Calibri" panose="020F0502020204030204" pitchFamily="34" charset="0"/>
+                <a:cs typeface="Times New Roman" panose="02020603050405020304" pitchFamily="18" charset="0"/>
+              </a:rPr>
+              <a:t> </a:t>
+            </a:r>
+          </a:p>
+          <a:p>
+            <a:pPr marL="342900" indent="-342900">
+              <a:lnSpc>
+                <a:spcPct val="107000"/>
+              </a:lnSpc>
+              <a:buFont typeface="Arial" panose="020B0604020202020204" pitchFamily="34" charset="0"/>
+              <a:buChar char="•"/>
+            </a:pPr>
+            <a:r>
+              <a:rPr lang="en-US" dirty="0">
+                <a:latin typeface="Calibri" panose="020F0502020204030204" pitchFamily="34" charset="0"/>
+                <a:ea typeface="Calibri" panose="020F0502020204030204" pitchFamily="34" charset="0"/>
+                <a:cs typeface="Times New Roman" panose="02020603050405020304" pitchFamily="18" charset="0"/>
+              </a:rPr>
+              <a:t>After Providing </a:t>
+            </a:r>
+            <a:r>
+              <a:rPr lang="en-US" dirty="0" smtClean="0">
+                <a:latin typeface="Calibri" panose="020F0502020204030204" pitchFamily="34" charset="0"/>
+                <a:ea typeface="Calibri" panose="020F0502020204030204" pitchFamily="34" charset="0"/>
+                <a:cs typeface="Times New Roman" panose="02020603050405020304" pitchFamily="18" charset="0"/>
+              </a:rPr>
+              <a:t>Filename   &gt;  </a:t>
+            </a:r>
+            <a:r>
+              <a:rPr lang="en-US" dirty="0">
+                <a:latin typeface="Calibri" panose="020F0502020204030204" pitchFamily="34" charset="0"/>
+                <a:ea typeface="Calibri" panose="020F0502020204030204" pitchFamily="34" charset="0"/>
+                <a:cs typeface="Times New Roman" panose="02020603050405020304" pitchFamily="18" charset="0"/>
+              </a:rPr>
+              <a:t>Click Open and Then </a:t>
+            </a:r>
+            <a:r>
+              <a:rPr lang="en-US" dirty="0" smtClean="0">
+                <a:latin typeface="Calibri" panose="020F0502020204030204" pitchFamily="34" charset="0"/>
+                <a:ea typeface="Calibri" panose="020F0502020204030204" pitchFamily="34" charset="0"/>
+                <a:cs typeface="Times New Roman" panose="02020603050405020304" pitchFamily="18" charset="0"/>
+              </a:rPr>
+              <a:t>Click OK</a:t>
+            </a:r>
+            <a:endParaRPr lang="en-US" dirty="0">
+              <a:latin typeface="Calibri" panose="020F0502020204030204" pitchFamily="34" charset="0"/>
+              <a:ea typeface="Calibri" panose="020F0502020204030204" pitchFamily="34" charset="0"/>
+              <a:cs typeface="Times New Roman" panose="02020603050405020304" pitchFamily="18" charset="0"/>
+            </a:endParaRPr>
+          </a:p>
+          <a:p>
+            <a:pPr marL="342900" marR="0" lvl="0" indent="-342900">
+              <a:lnSpc>
+                <a:spcPct val="107000"/>
+              </a:lnSpc>
+              <a:spcBef>
+                <a:spcPts val="0"/>
+              </a:spcBef>
+              <a:spcAft>
+                <a:spcPts val="0"/>
+              </a:spcAft>
+              <a:buFont typeface="Arial" panose="020B0604020202020204" pitchFamily="34" charset="0"/>
+              <a:buChar char="•"/>
+            </a:pPr>
+            <a:endParaRPr lang="en-US" dirty="0">
+              <a:latin typeface="Calibri" panose="020F0502020204030204" pitchFamily="34" charset="0"/>
+              <a:ea typeface="Calibri" panose="020F0502020204030204" pitchFamily="34" charset="0"/>
+              <a:cs typeface="Times New Roman" panose="02020603050405020304" pitchFamily="18" charset="0"/>
+            </a:endParaRPr>
+          </a:p>
+          <a:p>
+            <a:pPr marL="228600" marR="0">
+              <a:lnSpc>
+                <a:spcPct val="107000"/>
+              </a:lnSpc>
+              <a:spcBef>
+                <a:spcPts val="0"/>
+              </a:spcBef>
+              <a:spcAft>
+                <a:spcPts val="800"/>
+              </a:spcAft>
+            </a:pPr>
+            <a:r>
+              <a:rPr lang="en-US" dirty="0" smtClean="0">
+                <a:latin typeface="Calibri" panose="020F0502020204030204" pitchFamily="34" charset="0"/>
+                <a:ea typeface="Calibri" panose="020F0502020204030204" pitchFamily="34" charset="0"/>
+                <a:cs typeface="Times New Roman" panose="02020603050405020304" pitchFamily="18" charset="0"/>
+              </a:rPr>
+              <a:t>  </a:t>
+            </a:r>
+            <a:r>
+              <a:rPr lang="en-US" dirty="0" smtClean="0">
+                <a:solidFill>
+                  <a:schemeClr val="accent1">
+                    <a:lumMod val="60000"/>
+                    <a:lumOff val="40000"/>
+                  </a:schemeClr>
+                </a:solidFill>
+                <a:latin typeface="Calibri" panose="020F0502020204030204" pitchFamily="34" charset="0"/>
+                <a:ea typeface="Calibri" panose="020F0502020204030204" pitchFamily="34" charset="0"/>
+                <a:cs typeface="Times New Roman" panose="02020603050405020304" pitchFamily="18" charset="0"/>
+              </a:rPr>
+              <a:t>Database_Name.mdf </a:t>
+            </a:r>
+            <a:r>
+              <a:rPr lang="en-US" dirty="0">
+                <a:solidFill>
+                  <a:schemeClr val="accent1">
+                    <a:lumMod val="60000"/>
+                    <a:lumOff val="40000"/>
+                  </a:schemeClr>
+                </a:solidFill>
+                <a:latin typeface="Calibri" panose="020F0502020204030204" pitchFamily="34" charset="0"/>
+                <a:ea typeface="Calibri" panose="020F0502020204030204" pitchFamily="34" charset="0"/>
+                <a:cs typeface="Times New Roman" panose="02020603050405020304" pitchFamily="18" charset="0"/>
+              </a:rPr>
+              <a:t>is </a:t>
+            </a:r>
+            <a:r>
+              <a:rPr lang="en-US" dirty="0" smtClean="0">
+                <a:solidFill>
+                  <a:schemeClr val="accent1">
+                    <a:lumMod val="60000"/>
+                    <a:lumOff val="40000"/>
+                  </a:schemeClr>
+                </a:solidFill>
+                <a:latin typeface="Calibri" panose="020F0502020204030204" pitchFamily="34" charset="0"/>
+                <a:ea typeface="Calibri" panose="020F0502020204030204" pitchFamily="34" charset="0"/>
+                <a:cs typeface="Times New Roman" panose="02020603050405020304" pitchFamily="18" charset="0"/>
+              </a:rPr>
+              <a:t>created</a:t>
+            </a:r>
+            <a:endParaRPr lang="en-US" dirty="0">
+              <a:latin typeface="Calibri" panose="020F0502020204030204" pitchFamily="34" charset="0"/>
+              <a:ea typeface="Calibri" panose="020F0502020204030204" pitchFamily="34" charset="0"/>
+              <a:cs typeface="Times New Roman" panose="02020603050405020304" pitchFamily="18" charset="0"/>
+            </a:endParaRPr>
+          </a:p>
+          <a:p>
+            <a:pPr marL="228600" marR="0">
+              <a:lnSpc>
+                <a:spcPct val="107000"/>
+              </a:lnSpc>
+              <a:spcBef>
+                <a:spcPts val="0"/>
+              </a:spcBef>
+              <a:spcAft>
+                <a:spcPts val="800"/>
+              </a:spcAft>
+            </a:pPr>
+            <a:r>
+              <a:rPr lang="en-US" dirty="0">
+                <a:latin typeface="Calibri" panose="020F0502020204030204" pitchFamily="34" charset="0"/>
+                <a:ea typeface="Calibri" panose="020F0502020204030204" pitchFamily="34" charset="0"/>
+                <a:cs typeface="Times New Roman" panose="02020603050405020304" pitchFamily="18" charset="0"/>
+              </a:rPr>
+              <a:t>Right click on Table then create New Table</a:t>
+            </a:r>
+          </a:p>
+          <a:p>
+            <a:pPr marL="228600" marR="0">
+              <a:lnSpc>
+                <a:spcPct val="107000"/>
+              </a:lnSpc>
+              <a:spcBef>
+                <a:spcPts val="0"/>
+              </a:spcBef>
+              <a:spcAft>
+                <a:spcPts val="800"/>
+              </a:spcAft>
+            </a:pPr>
+            <a:r>
+              <a:rPr lang="en-US" dirty="0">
+                <a:latin typeface="Calibri" panose="020F0502020204030204" pitchFamily="34" charset="0"/>
+                <a:ea typeface="Calibri" panose="020F0502020204030204" pitchFamily="34" charset="0"/>
+                <a:cs typeface="Times New Roman" panose="02020603050405020304" pitchFamily="18" charset="0"/>
+              </a:rPr>
+              <a:t>Provide Column name with data type  </a:t>
+            </a:r>
+          </a:p>
+          <a:p>
+            <a:pPr marL="228600" marR="0">
+              <a:lnSpc>
+                <a:spcPct val="107000"/>
+              </a:lnSpc>
+              <a:spcBef>
+                <a:spcPts val="0"/>
+              </a:spcBef>
+              <a:spcAft>
+                <a:spcPts val="800"/>
+              </a:spcAft>
+            </a:pPr>
+            <a:r>
+              <a:rPr lang="en-US" dirty="0">
+                <a:solidFill>
+                  <a:srgbClr val="ED7D31"/>
+                </a:solidFill>
+                <a:latin typeface="Calibri" panose="020F0502020204030204" pitchFamily="34" charset="0"/>
+                <a:ea typeface="Calibri" panose="020F0502020204030204" pitchFamily="34" charset="0"/>
+                <a:cs typeface="Times New Roman" panose="02020603050405020304" pitchFamily="18" charset="0"/>
+              </a:rPr>
+              <a:t>And don’t forget to specify primary key in each table</a:t>
+            </a:r>
+            <a:endParaRPr lang="en-US" dirty="0">
+              <a:latin typeface="Calibri" panose="020F0502020204030204" pitchFamily="34" charset="0"/>
+              <a:ea typeface="Calibri" panose="020F0502020204030204" pitchFamily="34" charset="0"/>
+              <a:cs typeface="Times New Roman" panose="02020603050405020304" pitchFamily="18" charset="0"/>
+            </a:endParaRPr>
+          </a:p>
+          <a:p>
+            <a:pPr marL="228600" marR="0">
+              <a:lnSpc>
+                <a:spcPct val="107000"/>
+              </a:lnSpc>
+              <a:spcBef>
+                <a:spcPts val="0"/>
+              </a:spcBef>
+              <a:spcAft>
+                <a:spcPts val="800"/>
+              </a:spcAft>
+            </a:pPr>
+            <a:r>
+              <a:rPr lang="en-US" dirty="0">
+                <a:latin typeface="Calibri" panose="020F0502020204030204" pitchFamily="34" charset="0"/>
+                <a:ea typeface="Calibri" panose="020F0502020204030204" pitchFamily="34" charset="0"/>
+                <a:cs typeface="Times New Roman" panose="02020603050405020304" pitchFamily="18" charset="0"/>
+              </a:rPr>
+              <a:t>By right click on particular column then select Set primary key</a:t>
+            </a:r>
+            <a:endParaRPr lang="en-US" dirty="0">
+              <a:effectLst/>
+              <a:latin typeface="Calibri" panose="020F0502020204030204" pitchFamily="34" charset="0"/>
+              <a:ea typeface="Calibri" panose="020F0502020204030204" pitchFamily="34" charset="0"/>
+              <a:cs typeface="Times New Roman" panose="02020603050405020304" pitchFamily="18" charset="0"/>
+            </a:endParaRPr>
           </a:p>
         </p:txBody>
       </p:sp>
     </p:spTree>
     <p:extLst>
       <p:ext uri="{BB962C8B-B14F-4D97-AF65-F5344CB8AC3E}">
-        <p14:creationId xmlns:p14="http://schemas.microsoft.com/office/powerpoint/2010/main" val="4240668405"/>
+        <p14:creationId xmlns:p14="http://schemas.microsoft.com/office/powerpoint/2010/main" val="2044835717"/>
       </p:ext>
     </p:extLst>
   </p:cSld>
   <p:clrMapOvr>
     <a:masterClrMapping/>
   </p:clrMapOvr>
-  <p:timing>
-    <p:tnLst>
-      <p:par>
-        <p:cTn id="1" dur="indefinite" restart="never" nodeType="tmRoot"/>
-      </p:par>
-    </p:tnLst>
-  </p:timing>
 </p:sld>
 </file>
 
@@ -12669,14 +13227,16 @@
       </p:grpSpPr>
       <p:sp>
         <p:nvSpPr>
-          <p:cNvPr id="2" name="Rectangle 1"/>
-          <p:cNvSpPr/>
+          <p:cNvPr id="2" name="Title 1"/>
+          <p:cNvSpPr txBox="1">
+            <a:spLocks/>
+          </p:cNvSpPr>
           <p:nvPr/>
         </p:nvSpPr>
         <p:spPr>
           <a:xfrm>
-            <a:off x="3048000" y="2759586"/>
-            <a:ext cx="6096000" cy="1338828"/>
+            <a:off x="2592925" y="624109"/>
+            <a:ext cx="4567730" cy="831203"/>
           </a:xfrm>
           <a:prstGeom prst="rect">
             <a:avLst/>
@@ -12684,6 +13244,109 @@
         </p:spPr>
         <p:txBody>
           <a:bodyPr>
+            <a:normAutofit/>
+          </a:bodyPr>
+          <a:lstStyle>
+            <a:lvl1pPr algn="l" defTabSz="457200" rtl="0" eaLnBrk="1" latinLnBrk="0" hangingPunct="1">
+              <a:spcBef>
+                <a:spcPct val="0"/>
+              </a:spcBef>
+              <a:buNone/>
+              <a:defRPr sz="3600" kern="1200">
+                <a:solidFill>
+                  <a:schemeClr val="tx1">
+                    <a:lumMod val="85000"/>
+                    <a:lumOff val="15000"/>
+                  </a:schemeClr>
+                </a:solidFill>
+                <a:latin typeface="+mj-lt"/>
+                <a:ea typeface="+mj-ea"/>
+                <a:cs typeface="+mj-cs"/>
+              </a:defRPr>
+            </a:lvl1pPr>
+            <a:lvl2pPr eaLnBrk="1" hangingPunct="1">
+              <a:defRPr>
+                <a:solidFill>
+                  <a:schemeClr val="tx2"/>
+                </a:solidFill>
+              </a:defRPr>
+            </a:lvl2pPr>
+            <a:lvl3pPr eaLnBrk="1" hangingPunct="1">
+              <a:defRPr>
+                <a:solidFill>
+                  <a:schemeClr val="tx2"/>
+                </a:solidFill>
+              </a:defRPr>
+            </a:lvl3pPr>
+            <a:lvl4pPr eaLnBrk="1" hangingPunct="1">
+              <a:defRPr>
+                <a:solidFill>
+                  <a:schemeClr val="tx2"/>
+                </a:solidFill>
+              </a:defRPr>
+            </a:lvl4pPr>
+            <a:lvl5pPr eaLnBrk="1" hangingPunct="1">
+              <a:defRPr>
+                <a:solidFill>
+                  <a:schemeClr val="tx2"/>
+                </a:solidFill>
+              </a:defRPr>
+            </a:lvl5pPr>
+            <a:lvl6pPr eaLnBrk="1" hangingPunct="1">
+              <a:defRPr>
+                <a:solidFill>
+                  <a:schemeClr val="tx2"/>
+                </a:solidFill>
+              </a:defRPr>
+            </a:lvl6pPr>
+            <a:lvl7pPr eaLnBrk="1" hangingPunct="1">
+              <a:defRPr>
+                <a:solidFill>
+                  <a:schemeClr val="tx2"/>
+                </a:solidFill>
+              </a:defRPr>
+            </a:lvl7pPr>
+            <a:lvl8pPr eaLnBrk="1" hangingPunct="1">
+              <a:defRPr>
+                <a:solidFill>
+                  <a:schemeClr val="tx2"/>
+                </a:solidFill>
+              </a:defRPr>
+            </a:lvl8pPr>
+            <a:lvl9pPr eaLnBrk="1" hangingPunct="1">
+              <a:defRPr>
+                <a:solidFill>
+                  <a:schemeClr val="tx2"/>
+                </a:solidFill>
+              </a:defRPr>
+            </a:lvl9pPr>
+          </a:lstStyle>
+          <a:p>
+            <a:r>
+              <a:rPr lang="en-US" b="1" dirty="0" err="1" smtClean="0"/>
+              <a:t>SqlCommand</a:t>
+            </a:r>
+            <a:endParaRPr lang="en-US" b="1" dirty="0"/>
+          </a:p>
+        </p:txBody>
+      </p:sp>
+      <p:sp>
+        <p:nvSpPr>
+          <p:cNvPr id="3" name="Rectangle 2"/>
+          <p:cNvSpPr/>
+          <p:nvPr/>
+        </p:nvSpPr>
+        <p:spPr>
+          <a:xfrm>
+            <a:off x="1287887" y="1558344"/>
+            <a:ext cx="10625071" cy="3970318"/>
+          </a:xfrm>
+          <a:prstGeom prst="rect">
+            <a:avLst/>
+          </a:prstGeom>
+        </p:spPr>
+        <p:txBody>
+          <a:bodyPr wrap="square">
             <a:spAutoFit/>
           </a:bodyPr>
           <a:lstStyle/>
@@ -12694,24 +13357,116 @@
               </a:lnSpc>
             </a:pPr>
             <a:r>
-              <a:rPr lang="en-US" dirty="0">
-                <a:hlinkClick r:id="rId2"/>
-              </a:rPr>
-              <a:t>http://vb.net-informations.com/ado.net-dataproviders/ado.net-executenonquery-sqlcommand.htm</a:t>
-            </a:r>
-            <a:endParaRPr lang="en-US" dirty="0">
-              <a:solidFill>
-                <a:srgbClr val="000000"/>
-              </a:solidFill>
-              <a:latin typeface="Times New Roman" panose="02020603050405020304" pitchFamily="18" charset="0"/>
-            </a:endParaRPr>
+              <a:rPr lang="en-US" sz="2400" dirty="0" err="1" smtClean="0">
+                <a:solidFill>
+                  <a:srgbClr val="000000"/>
+                </a:solidFill>
+                <a:latin typeface="Verdana" panose="020B0604030504040204" pitchFamily="34" charset="0"/>
+              </a:rPr>
+              <a:t>SqlCommand</a:t>
+            </a:r>
+            <a:r>
+              <a:rPr lang="en-US" sz="2400" dirty="0" smtClean="0">
+                <a:solidFill>
+                  <a:srgbClr val="000000"/>
+                </a:solidFill>
+                <a:latin typeface="Verdana" panose="020B0604030504040204" pitchFamily="34" charset="0"/>
+              </a:rPr>
+              <a:t> is a Class allows you to write a query and send commands to Database.</a:t>
+            </a:r>
+          </a:p>
+          <a:p>
+            <a:pPr algn="just">
+              <a:lnSpc>
+                <a:spcPct val="150000"/>
+              </a:lnSpc>
+            </a:pPr>
+            <a:r>
+              <a:rPr lang="en-US" sz="2400" dirty="0" smtClean="0">
+                <a:solidFill>
+                  <a:srgbClr val="000000"/>
+                </a:solidFill>
+                <a:latin typeface="Verdana" panose="020B0604030504040204" pitchFamily="34" charset="0"/>
+              </a:rPr>
+              <a:t>It has methods that are specialized for different commands</a:t>
+            </a:r>
+          </a:p>
+          <a:p>
+            <a:pPr marL="457200" indent="-457200" algn="just">
+              <a:lnSpc>
+                <a:spcPct val="150000"/>
+              </a:lnSpc>
+              <a:buAutoNum type="arabicParenR"/>
+            </a:pPr>
+            <a:r>
+              <a:rPr lang="en-US" sz="2400" dirty="0" err="1" smtClean="0">
+                <a:solidFill>
+                  <a:srgbClr val="000000"/>
+                </a:solidFill>
+                <a:latin typeface="Verdana" panose="020B0604030504040204" pitchFamily="34" charset="0"/>
+              </a:rPr>
+              <a:t>ExecuteReader</a:t>
+            </a:r>
+            <a:r>
+              <a:rPr lang="en-US" sz="2400" dirty="0" smtClean="0">
+                <a:solidFill>
+                  <a:srgbClr val="000000"/>
+                </a:solidFill>
+                <a:latin typeface="Verdana" panose="020B0604030504040204" pitchFamily="34" charset="0"/>
+              </a:rPr>
+              <a:t>() : Returns </a:t>
+            </a:r>
+            <a:r>
+              <a:rPr lang="en-US" sz="2400" dirty="0" err="1" smtClean="0">
+                <a:solidFill>
+                  <a:srgbClr val="000000"/>
+                </a:solidFill>
+                <a:latin typeface="Verdana" panose="020B0604030504040204" pitchFamily="34" charset="0"/>
+              </a:rPr>
+              <a:t>SqlDataReader</a:t>
+            </a:r>
+            <a:r>
+              <a:rPr lang="en-US" sz="2400" dirty="0" smtClean="0">
+                <a:solidFill>
+                  <a:srgbClr val="000000"/>
+                </a:solidFill>
+                <a:latin typeface="Verdana" panose="020B0604030504040204" pitchFamily="34" charset="0"/>
+              </a:rPr>
+              <a:t> object to view the results of a SELECT query </a:t>
+            </a:r>
+          </a:p>
+          <a:p>
+            <a:pPr marL="457200" indent="-457200" algn="just">
+              <a:lnSpc>
+                <a:spcPct val="150000"/>
+              </a:lnSpc>
+              <a:buAutoNum type="arabicParenR"/>
+            </a:pPr>
+            <a:r>
+              <a:rPr lang="en-US" sz="2400" dirty="0" err="1" smtClean="0">
+                <a:solidFill>
+                  <a:srgbClr val="000000"/>
+                </a:solidFill>
+                <a:latin typeface="Verdana" panose="020B0604030504040204" pitchFamily="34" charset="0"/>
+              </a:rPr>
+              <a:t>ExecuteNonQuery</a:t>
+            </a:r>
+            <a:r>
+              <a:rPr lang="en-US" sz="2400" dirty="0" smtClean="0">
+                <a:solidFill>
+                  <a:srgbClr val="000000"/>
+                </a:solidFill>
+                <a:latin typeface="Verdana" panose="020B0604030504040204" pitchFamily="34" charset="0"/>
+              </a:rPr>
+              <a:t>() : This Method is used to execute INSERT , UPDATE and DELETE commands.</a:t>
+            </a:r>
           </a:p>
         </p:txBody>
       </p:sp>
     </p:spTree>
     <p:extLst>
       <p:ext uri="{BB962C8B-B14F-4D97-AF65-F5344CB8AC3E}">
-        <p14:creationId xmlns:p14="http://schemas.microsoft.com/office/powerpoint/2010/main" val="2302483036"/>
+        <p14:creationId xmlns:p14="http://schemas.microsoft.com/office/powerpoint/2010/main" val="1285937129"/>
       </p:ext>
     </p:extLst>
   </p:cSld>
@@ -12738,10 +13493,310 @@
           <a:chExt cx="0" cy="0"/>
         </a:xfrm>
       </p:grpSpPr>
+      <p:sp>
+        <p:nvSpPr>
+          <p:cNvPr id="2" name="Rectangle 1"/>
+          <p:cNvSpPr/>
+          <p:nvPr/>
+        </p:nvSpPr>
+        <p:spPr>
+          <a:xfrm>
+            <a:off x="2601532" y="2910628"/>
+            <a:ext cx="8010659" cy="646331"/>
+          </a:xfrm>
+          <a:prstGeom prst="rect">
+            <a:avLst/>
+          </a:prstGeom>
+        </p:spPr>
+        <p:txBody>
+          <a:bodyPr wrap="square">
+            <a:spAutoFit/>
+          </a:bodyPr>
+          <a:lstStyle/>
+          <a:p>
+            <a:r>
+              <a:rPr lang="en-US" b="1" dirty="0">
+                <a:solidFill>
+                  <a:srgbClr val="006699"/>
+                </a:solidFill>
+                <a:latin typeface="verdana" panose="020B0604030504040204" pitchFamily="34" charset="0"/>
+              </a:rPr>
+              <a:t>INSERT</a:t>
+            </a:r>
+            <a:r>
+              <a:rPr lang="en-US" dirty="0">
+                <a:solidFill>
+                  <a:srgbClr val="000000"/>
+                </a:solidFill>
+                <a:latin typeface="verdana" panose="020B0604030504040204" pitchFamily="34" charset="0"/>
+              </a:rPr>
+              <a:t> </a:t>
+            </a:r>
+            <a:r>
+              <a:rPr lang="en-US" b="1" dirty="0">
+                <a:solidFill>
+                  <a:srgbClr val="006699"/>
+                </a:solidFill>
+                <a:latin typeface="verdana" panose="020B0604030504040204" pitchFamily="34" charset="0"/>
+              </a:rPr>
+              <a:t>INTO</a:t>
+            </a:r>
+            <a:r>
+              <a:rPr lang="en-US" dirty="0">
+                <a:solidFill>
+                  <a:srgbClr val="000000"/>
+                </a:solidFill>
+                <a:latin typeface="verdana" panose="020B0604030504040204" pitchFamily="34" charset="0"/>
+              </a:rPr>
+              <a:t> suppliers </a:t>
+            </a:r>
+            <a:r>
+              <a:rPr lang="en-US" dirty="0" smtClean="0">
+                <a:solidFill>
+                  <a:srgbClr val="000000"/>
+                </a:solidFill>
+                <a:latin typeface="verdana" panose="020B0604030504040204" pitchFamily="34" charset="0"/>
+              </a:rPr>
+              <a:t>(</a:t>
+            </a:r>
+            <a:r>
+              <a:rPr lang="en-US" dirty="0">
+                <a:solidFill>
+                  <a:srgbClr val="000000"/>
+                </a:solidFill>
+                <a:latin typeface="verdana" panose="020B0604030504040204" pitchFamily="34" charset="0"/>
+              </a:rPr>
+              <a:t>supplier_id, </a:t>
+            </a:r>
+            <a:r>
+              <a:rPr lang="en-US" dirty="0" smtClean="0">
+                <a:solidFill>
+                  <a:srgbClr val="000000"/>
+                </a:solidFill>
+                <a:latin typeface="verdana" panose="020B0604030504040204" pitchFamily="34" charset="0"/>
+              </a:rPr>
+              <a:t>supplier_name)</a:t>
+            </a:r>
+            <a:r>
+              <a:rPr lang="en-US" dirty="0">
+                <a:solidFill>
+                  <a:srgbClr val="000000"/>
+                </a:solidFill>
+                <a:latin typeface="verdana" panose="020B0604030504040204" pitchFamily="34" charset="0"/>
+              </a:rPr>
+              <a:t>  </a:t>
+            </a:r>
+          </a:p>
+          <a:p>
+            <a:r>
+              <a:rPr lang="en-US" b="1" dirty="0">
+                <a:solidFill>
+                  <a:srgbClr val="006699"/>
+                </a:solidFill>
+                <a:latin typeface="verdana" panose="020B0604030504040204" pitchFamily="34" charset="0"/>
+              </a:rPr>
+              <a:t>VALUES</a:t>
+            </a:r>
+            <a:r>
+              <a:rPr lang="en-US" dirty="0">
+                <a:solidFill>
+                  <a:srgbClr val="000000"/>
+                </a:solidFill>
+                <a:latin typeface="verdana" panose="020B0604030504040204" pitchFamily="34" charset="0"/>
+              </a:rPr>
+              <a:t>  </a:t>
+            </a:r>
+            <a:r>
+              <a:rPr lang="en-US" dirty="0" smtClean="0">
+                <a:solidFill>
+                  <a:srgbClr val="000000"/>
+                </a:solidFill>
+                <a:latin typeface="verdana" panose="020B0604030504040204" pitchFamily="34" charset="0"/>
+              </a:rPr>
+              <a:t>(</a:t>
+            </a:r>
+            <a:r>
+              <a:rPr lang="en-US" dirty="0">
+                <a:solidFill>
+                  <a:srgbClr val="000000"/>
+                </a:solidFill>
+                <a:latin typeface="verdana" panose="020B0604030504040204" pitchFamily="34" charset="0"/>
+              </a:rPr>
+              <a:t>50, </a:t>
+            </a:r>
+            <a:r>
+              <a:rPr lang="en-US" dirty="0">
+                <a:solidFill>
+                  <a:srgbClr val="0000FF"/>
+                </a:solidFill>
+                <a:latin typeface="verdana" panose="020B0604030504040204" pitchFamily="34" charset="0"/>
+              </a:rPr>
+              <a:t>'Flipkart'</a:t>
+            </a:r>
+            <a:r>
+              <a:rPr lang="en-US" dirty="0">
+                <a:solidFill>
+                  <a:srgbClr val="000000"/>
+                </a:solidFill>
+                <a:latin typeface="verdana" panose="020B0604030504040204" pitchFamily="34" charset="0"/>
+              </a:rPr>
+              <a:t>);</a:t>
+            </a:r>
+            <a:endParaRPr lang="en-US" b="0" i="0" dirty="0">
+              <a:solidFill>
+                <a:srgbClr val="000000"/>
+              </a:solidFill>
+              <a:effectLst/>
+              <a:latin typeface="verdana" panose="020B0604030504040204" pitchFamily="34" charset="0"/>
+            </a:endParaRPr>
+          </a:p>
+        </p:txBody>
+      </p:sp>
+      <p:sp>
+        <p:nvSpPr>
+          <p:cNvPr id="3" name="Rectangle 2"/>
+          <p:cNvSpPr/>
+          <p:nvPr/>
+        </p:nvSpPr>
+        <p:spPr>
+          <a:xfrm>
+            <a:off x="2753932" y="665185"/>
+            <a:ext cx="8695385" cy="646331"/>
+          </a:xfrm>
+          <a:prstGeom prst="rect">
+            <a:avLst/>
+          </a:prstGeom>
+        </p:spPr>
+        <p:txBody>
+          <a:bodyPr wrap="square">
+            <a:spAutoFit/>
+          </a:bodyPr>
+          <a:lstStyle/>
+          <a:p>
+            <a:r>
+              <a:rPr lang="en-US" b="1" dirty="0">
+                <a:solidFill>
+                  <a:srgbClr val="006699"/>
+                </a:solidFill>
+                <a:latin typeface="verdana" panose="020B0604030504040204" pitchFamily="34" charset="0"/>
+              </a:rPr>
+              <a:t>INSERT</a:t>
+            </a:r>
+            <a:r>
+              <a:rPr lang="en-US" dirty="0">
+                <a:solidFill>
+                  <a:srgbClr val="000000"/>
+                </a:solidFill>
+                <a:latin typeface="verdana" panose="020B0604030504040204" pitchFamily="34" charset="0"/>
+              </a:rPr>
+              <a:t> </a:t>
+            </a:r>
+            <a:r>
+              <a:rPr lang="en-US" b="1" dirty="0">
+                <a:solidFill>
+                  <a:srgbClr val="006699"/>
+                </a:solidFill>
+                <a:latin typeface="verdana" panose="020B0604030504040204" pitchFamily="34" charset="0"/>
+              </a:rPr>
+              <a:t>INTO</a:t>
+            </a:r>
+            <a:r>
+              <a:rPr lang="en-US" dirty="0">
+                <a:solidFill>
+                  <a:srgbClr val="000000"/>
+                </a:solidFill>
+                <a:latin typeface="verdana" panose="020B0604030504040204" pitchFamily="34" charset="0"/>
+              </a:rPr>
+              <a:t> </a:t>
+            </a:r>
+            <a:r>
+              <a:rPr lang="en-US" b="1" dirty="0">
+                <a:solidFill>
+                  <a:srgbClr val="006699"/>
+                </a:solidFill>
+                <a:latin typeface="verdana" panose="020B0604030504040204" pitchFamily="34" charset="0"/>
+              </a:rPr>
+              <a:t>table</a:t>
+            </a:r>
+            <a:r>
+              <a:rPr lang="en-US" dirty="0">
+                <a:solidFill>
+                  <a:srgbClr val="000000"/>
+                </a:solidFill>
+                <a:latin typeface="verdana" panose="020B0604030504040204" pitchFamily="34" charset="0"/>
+              </a:rPr>
+              <a:t>  </a:t>
+            </a:r>
+            <a:r>
+              <a:rPr lang="en-US" dirty="0" smtClean="0">
+                <a:solidFill>
+                  <a:srgbClr val="000000"/>
+                </a:solidFill>
+                <a:latin typeface="verdana" panose="020B0604030504040204" pitchFamily="34" charset="0"/>
+              </a:rPr>
+              <a:t> (</a:t>
+            </a:r>
+            <a:r>
+              <a:rPr lang="en-US" dirty="0">
+                <a:solidFill>
+                  <a:srgbClr val="000000"/>
+                </a:solidFill>
+                <a:latin typeface="verdana" panose="020B0604030504040204" pitchFamily="34" charset="0"/>
+              </a:rPr>
+              <a:t>column1, column2, ... column_n )  </a:t>
+            </a:r>
+          </a:p>
+          <a:p>
+            <a:r>
+              <a:rPr lang="en-US" b="1" dirty="0">
+                <a:solidFill>
+                  <a:srgbClr val="006699"/>
+                </a:solidFill>
+                <a:latin typeface="verdana" panose="020B0604030504040204" pitchFamily="34" charset="0"/>
+              </a:rPr>
+              <a:t>VALUES</a:t>
+            </a:r>
+            <a:r>
+              <a:rPr lang="en-US" dirty="0">
+                <a:solidFill>
+                  <a:srgbClr val="000000"/>
+                </a:solidFill>
+                <a:latin typeface="verdana" panose="020B0604030504040204" pitchFamily="34" charset="0"/>
+              </a:rPr>
+              <a:t>  </a:t>
+            </a:r>
+            <a:r>
+              <a:rPr lang="en-US" dirty="0" smtClean="0">
+                <a:solidFill>
+                  <a:srgbClr val="000000"/>
+                </a:solidFill>
+                <a:latin typeface="verdana" panose="020B0604030504040204" pitchFamily="34" charset="0"/>
+              </a:rPr>
+              <a:t>(</a:t>
+            </a:r>
+            <a:r>
+              <a:rPr lang="en-US" dirty="0">
+                <a:solidFill>
+                  <a:srgbClr val="000000"/>
+                </a:solidFill>
+                <a:latin typeface="verdana" panose="020B0604030504040204" pitchFamily="34" charset="0"/>
+              </a:rPr>
+              <a:t>expression1, expression2, ... expression_n );   </a:t>
+            </a:r>
+            <a:endParaRPr lang="en-US" b="0" i="0" dirty="0">
+              <a:solidFill>
+                <a:srgbClr val="000000"/>
+              </a:solidFill>
+              <a:effectLst/>
+              <a:latin typeface="verdana" panose="020B0604030504040204" pitchFamily="34" charset="0"/>
+            </a:endParaRPr>
+          </a:p>
+        </p:txBody>
+      </p:sp>
     </p:spTree>
     <p:extLst>
       <p:ext uri="{BB962C8B-B14F-4D97-AF65-F5344CB8AC3E}">
-        <p14:creationId xmlns:p14="http://schemas.microsoft.com/office/powerpoint/2010/main" val="447191332"/>
+        <p14:creationId xmlns:p14="http://schemas.microsoft.com/office/powerpoint/2010/main" val="3143917006"/>
       </p:ext>
     </p:extLst>
   </p:cSld>
@@ -12915,6 +13970,1124 @@
       </p:par>
     </p:tnLst>
   </p:timing>
+</p:sld>
+</file>
+
+<file path=ppt/slides/slide30.xml><?xml version="1.0" encoding="utf-8"?>
+<p:sld xmlns:a="http://schemas.openxmlformats.org/drawingml/2006/main" xmlns:r="http://schemas.openxmlformats.org/officeDocument/2006/relationships" xmlns:p="http://schemas.openxmlformats.org/presentationml/2006/main">
+  <p:cSld>
+    <p:spTree>
+      <p:nvGrpSpPr>
+        <p:cNvPr id="1" name=""/>
+        <p:cNvGrpSpPr/>
+        <p:nvPr/>
+      </p:nvGrpSpPr>
+      <p:grpSpPr>
+        <a:xfrm>
+          <a:off x="0" y="0"/>
+          <a:ext cx="0" cy="0"/>
+          <a:chOff x="0" y="0"/>
+          <a:chExt cx="0" cy="0"/>
+        </a:xfrm>
+      </p:grpSpPr>
+      <p:sp>
+        <p:nvSpPr>
+          <p:cNvPr id="58" name="Rectangle 57"/>
+          <p:cNvSpPr/>
+          <p:nvPr/>
+        </p:nvSpPr>
+        <p:spPr>
+          <a:xfrm>
+            <a:off x="2245196" y="1906074"/>
+            <a:ext cx="9783672" cy="2677656"/>
+          </a:xfrm>
+          <a:prstGeom prst="rect">
+            <a:avLst/>
+          </a:prstGeom>
+        </p:spPr>
+        <p:txBody>
+          <a:bodyPr wrap="square">
+            <a:spAutoFit/>
+          </a:bodyPr>
+          <a:lstStyle/>
+          <a:p>
+            <a:r>
+              <a:rPr lang="en-US" sz="2400" dirty="0">
+                <a:solidFill>
+                  <a:srgbClr val="000000"/>
+                </a:solidFill>
+                <a:latin typeface="Verdana" panose="020B0604030504040204" pitchFamily="34" charset="0"/>
+              </a:rPr>
+              <a:t>SqlDataAdapter Class is a part of the C# ADO.NET Data Provider and it resides in the </a:t>
+            </a:r>
+            <a:r>
+              <a:rPr lang="en-US" sz="2400" dirty="0" err="1">
+                <a:solidFill>
+                  <a:srgbClr val="000000"/>
+                </a:solidFill>
+                <a:latin typeface="Verdana" panose="020B0604030504040204" pitchFamily="34" charset="0"/>
+              </a:rPr>
+              <a:t>System.Data.SqlClient</a:t>
+            </a:r>
+            <a:r>
+              <a:rPr lang="en-US" sz="2400" dirty="0">
+                <a:solidFill>
+                  <a:srgbClr val="000000"/>
+                </a:solidFill>
+                <a:latin typeface="Verdana" panose="020B0604030504040204" pitchFamily="34" charset="0"/>
+              </a:rPr>
+              <a:t>  namespace.</a:t>
+            </a:r>
+          </a:p>
+          <a:p>
+            <a:endParaRPr lang="en-US" sz="2400" dirty="0">
+              <a:solidFill>
+                <a:srgbClr val="000000"/>
+              </a:solidFill>
+              <a:latin typeface="Verdana" panose="020B0604030504040204" pitchFamily="34" charset="0"/>
+            </a:endParaRPr>
+          </a:p>
+          <a:p>
+            <a:r>
+              <a:rPr lang="en-US" sz="2400" dirty="0">
+                <a:solidFill>
+                  <a:srgbClr val="000000"/>
+                </a:solidFill>
+                <a:latin typeface="Verdana" panose="020B0604030504040204" pitchFamily="34" charset="0"/>
+              </a:rPr>
+              <a:t> SqlDataAdapter provides the communication between the Dataset and the SQL database. We can use  SqlDataAdapter Object in combination with Dataset Object.</a:t>
+            </a:r>
+          </a:p>
+        </p:txBody>
+      </p:sp>
+      <p:sp>
+        <p:nvSpPr>
+          <p:cNvPr id="60" name="Title 1"/>
+          <p:cNvSpPr txBox="1">
+            <a:spLocks/>
+          </p:cNvSpPr>
+          <p:nvPr/>
+        </p:nvSpPr>
+        <p:spPr>
+          <a:xfrm>
+            <a:off x="2013376" y="624109"/>
+            <a:ext cx="4567730" cy="831203"/>
+          </a:xfrm>
+          <a:prstGeom prst="rect">
+            <a:avLst/>
+          </a:prstGeom>
+        </p:spPr>
+        <p:txBody>
+          <a:bodyPr>
+            <a:normAutofit/>
+          </a:bodyPr>
+          <a:lstStyle>
+            <a:lvl1pPr algn="l" defTabSz="457200" rtl="0" eaLnBrk="1" latinLnBrk="0" hangingPunct="1">
+              <a:spcBef>
+                <a:spcPct val="0"/>
+              </a:spcBef>
+              <a:buNone/>
+              <a:defRPr sz="3600" kern="1200">
+                <a:solidFill>
+                  <a:schemeClr val="tx1">
+                    <a:lumMod val="85000"/>
+                    <a:lumOff val="15000"/>
+                  </a:schemeClr>
+                </a:solidFill>
+                <a:latin typeface="+mj-lt"/>
+                <a:ea typeface="+mj-ea"/>
+                <a:cs typeface="+mj-cs"/>
+              </a:defRPr>
+            </a:lvl1pPr>
+            <a:lvl2pPr eaLnBrk="1" hangingPunct="1">
+              <a:defRPr>
+                <a:solidFill>
+                  <a:schemeClr val="tx2"/>
+                </a:solidFill>
+              </a:defRPr>
+            </a:lvl2pPr>
+            <a:lvl3pPr eaLnBrk="1" hangingPunct="1">
+              <a:defRPr>
+                <a:solidFill>
+                  <a:schemeClr val="tx2"/>
+                </a:solidFill>
+              </a:defRPr>
+            </a:lvl3pPr>
+            <a:lvl4pPr eaLnBrk="1" hangingPunct="1">
+              <a:defRPr>
+                <a:solidFill>
+                  <a:schemeClr val="tx2"/>
+                </a:solidFill>
+              </a:defRPr>
+            </a:lvl4pPr>
+            <a:lvl5pPr eaLnBrk="1" hangingPunct="1">
+              <a:defRPr>
+                <a:solidFill>
+                  <a:schemeClr val="tx2"/>
+                </a:solidFill>
+              </a:defRPr>
+            </a:lvl5pPr>
+            <a:lvl6pPr eaLnBrk="1" hangingPunct="1">
+              <a:defRPr>
+                <a:solidFill>
+                  <a:schemeClr val="tx2"/>
+                </a:solidFill>
+              </a:defRPr>
+            </a:lvl6pPr>
+            <a:lvl7pPr eaLnBrk="1" hangingPunct="1">
+              <a:defRPr>
+                <a:solidFill>
+                  <a:schemeClr val="tx2"/>
+                </a:solidFill>
+              </a:defRPr>
+            </a:lvl7pPr>
+            <a:lvl8pPr eaLnBrk="1" hangingPunct="1">
+              <a:defRPr>
+                <a:solidFill>
+                  <a:schemeClr val="tx2"/>
+                </a:solidFill>
+              </a:defRPr>
+            </a:lvl8pPr>
+            <a:lvl9pPr eaLnBrk="1" hangingPunct="1">
+              <a:defRPr>
+                <a:solidFill>
+                  <a:schemeClr val="tx2"/>
+                </a:solidFill>
+              </a:defRPr>
+            </a:lvl9pPr>
+          </a:lstStyle>
+          <a:p>
+            <a:r>
+              <a:rPr lang="en-US" b="1" dirty="0" smtClean="0"/>
+              <a:t>SqlDataAdapter</a:t>
+            </a:r>
+            <a:endParaRPr lang="en-US" b="1" dirty="0"/>
+          </a:p>
+        </p:txBody>
+      </p:sp>
+    </p:spTree>
+    <p:extLst>
+      <p:ext uri="{BB962C8B-B14F-4D97-AF65-F5344CB8AC3E}">
+        <p14:creationId xmlns:p14="http://schemas.microsoft.com/office/powerpoint/2010/main" val="3997737005"/>
+      </p:ext>
+    </p:extLst>
+  </p:cSld>
+  <p:clrMapOvr>
+    <a:masterClrMapping/>
+  </p:clrMapOvr>
+</p:sld>
+</file>
+
+<file path=ppt/slides/slide31.xml><?xml version="1.0" encoding="utf-8"?>
+<p:sld xmlns:a="http://schemas.openxmlformats.org/drawingml/2006/main" xmlns:r="http://schemas.openxmlformats.org/officeDocument/2006/relationships" xmlns:p="http://schemas.openxmlformats.org/presentationml/2006/main">
+  <p:cSld>
+    <p:spTree>
+      <p:nvGrpSpPr>
+        <p:cNvPr id="1" name=""/>
+        <p:cNvGrpSpPr/>
+        <p:nvPr/>
+      </p:nvGrpSpPr>
+      <p:grpSpPr>
+        <a:xfrm>
+          <a:off x="0" y="0"/>
+          <a:ext cx="0" cy="0"/>
+          <a:chOff x="0" y="0"/>
+          <a:chExt cx="0" cy="0"/>
+        </a:xfrm>
+      </p:grpSpPr>
+    </p:spTree>
+    <p:extLst>
+      <p:ext uri="{BB962C8B-B14F-4D97-AF65-F5344CB8AC3E}">
+        <p14:creationId xmlns:p14="http://schemas.microsoft.com/office/powerpoint/2010/main" val="4102500594"/>
+      </p:ext>
+    </p:extLst>
+  </p:cSld>
+  <p:clrMapOvr>
+    <a:masterClrMapping/>
+  </p:clrMapOvr>
+</p:sld>
+</file>
+
+<file path=ppt/slides/slide32.xml><?xml version="1.0" encoding="utf-8"?>
+<p:sld xmlns:a="http://schemas.openxmlformats.org/drawingml/2006/main" xmlns:r="http://schemas.openxmlformats.org/officeDocument/2006/relationships" xmlns:p="http://schemas.openxmlformats.org/presentationml/2006/main">
+  <p:cSld>
+    <p:spTree>
+      <p:nvGrpSpPr>
+        <p:cNvPr id="1" name=""/>
+        <p:cNvGrpSpPr/>
+        <p:nvPr/>
+      </p:nvGrpSpPr>
+      <p:grpSpPr>
+        <a:xfrm>
+          <a:off x="0" y="0"/>
+          <a:ext cx="0" cy="0"/>
+          <a:chOff x="0" y="0"/>
+          <a:chExt cx="0" cy="0"/>
+        </a:xfrm>
+      </p:grpSpPr>
+      <p:sp>
+        <p:nvSpPr>
+          <p:cNvPr id="2" name="Rectangle 1"/>
+          <p:cNvSpPr/>
+          <p:nvPr/>
+        </p:nvSpPr>
+        <p:spPr>
+          <a:xfrm>
+            <a:off x="1605566" y="607503"/>
+            <a:ext cx="10380372" cy="5324535"/>
+          </a:xfrm>
+          <a:prstGeom prst="rect">
+            <a:avLst/>
+          </a:prstGeom>
+        </p:spPr>
+        <p:txBody>
+          <a:bodyPr wrap="square">
+            <a:spAutoFit/>
+          </a:bodyPr>
+          <a:lstStyle/>
+          <a:p>
+            <a:r>
+              <a:rPr lang="en-US" sz="2000" dirty="0">
+                <a:solidFill>
+                  <a:srgbClr val="222222"/>
+                </a:solidFill>
+                <a:latin typeface="arial" panose="020B0604020202020204" pitchFamily="34" charset="0"/>
+              </a:rPr>
+              <a:t>A </a:t>
+            </a:r>
+            <a:r>
+              <a:rPr lang="en-US" sz="2000" b="1" dirty="0">
+                <a:solidFill>
+                  <a:srgbClr val="222222"/>
+                </a:solidFill>
+                <a:latin typeface="arial" panose="020B0604020202020204" pitchFamily="34" charset="0"/>
+              </a:rPr>
+              <a:t>network</a:t>
+            </a:r>
+            <a:r>
+              <a:rPr lang="en-US" sz="2000" dirty="0">
+                <a:solidFill>
+                  <a:srgbClr val="222222"/>
+                </a:solidFill>
+                <a:latin typeface="arial" panose="020B0604020202020204" pitchFamily="34" charset="0"/>
+              </a:rPr>
+              <a:t>-</a:t>
+            </a:r>
+            <a:r>
+              <a:rPr lang="en-US" sz="2000" b="1" dirty="0">
+                <a:solidFill>
+                  <a:srgbClr val="222222"/>
+                </a:solidFill>
+                <a:latin typeface="arial" panose="020B0604020202020204" pitchFamily="34" charset="0"/>
+              </a:rPr>
+              <a:t>related or instance</a:t>
+            </a:r>
+            <a:r>
+              <a:rPr lang="en-US" sz="2000" dirty="0">
+                <a:solidFill>
+                  <a:srgbClr val="222222"/>
+                </a:solidFill>
+                <a:latin typeface="arial" panose="020B0604020202020204" pitchFamily="34" charset="0"/>
+              </a:rPr>
+              <a:t>-</a:t>
+            </a:r>
+            <a:r>
+              <a:rPr lang="en-US" sz="2000" b="1" dirty="0">
+                <a:solidFill>
+                  <a:srgbClr val="222222"/>
+                </a:solidFill>
+                <a:latin typeface="arial" panose="020B0604020202020204" pitchFamily="34" charset="0"/>
+              </a:rPr>
+              <a:t>specific error occurred while establishing a connection to SQL Server</a:t>
+            </a:r>
+            <a:r>
+              <a:rPr lang="en-US" sz="2000" dirty="0">
+                <a:solidFill>
+                  <a:srgbClr val="222222"/>
+                </a:solidFill>
+                <a:latin typeface="arial" panose="020B0604020202020204" pitchFamily="34" charset="0"/>
+              </a:rPr>
+              <a:t>. The </a:t>
+            </a:r>
+            <a:r>
+              <a:rPr lang="en-US" sz="2000" b="1" dirty="0">
+                <a:solidFill>
+                  <a:srgbClr val="222222"/>
+                </a:solidFill>
+                <a:latin typeface="arial" panose="020B0604020202020204" pitchFamily="34" charset="0"/>
+              </a:rPr>
+              <a:t>server</a:t>
+            </a:r>
+            <a:r>
+              <a:rPr lang="en-US" sz="2000" dirty="0">
+                <a:solidFill>
+                  <a:srgbClr val="222222"/>
+                </a:solidFill>
+                <a:latin typeface="arial" panose="020B0604020202020204" pitchFamily="34" charset="0"/>
+              </a:rPr>
+              <a:t> was not found or was not accessible. Verify that the </a:t>
+            </a:r>
+            <a:r>
+              <a:rPr lang="en-US" sz="2000" b="1" dirty="0">
+                <a:solidFill>
+                  <a:srgbClr val="222222"/>
+                </a:solidFill>
+                <a:latin typeface="arial" panose="020B0604020202020204" pitchFamily="34" charset="0"/>
+              </a:rPr>
+              <a:t>instance</a:t>
+            </a:r>
+            <a:r>
+              <a:rPr lang="en-US" sz="2000" dirty="0">
+                <a:solidFill>
+                  <a:srgbClr val="222222"/>
+                </a:solidFill>
+                <a:latin typeface="arial" panose="020B0604020202020204" pitchFamily="34" charset="0"/>
+              </a:rPr>
+              <a:t> name is correct and that </a:t>
+            </a:r>
+            <a:r>
+              <a:rPr lang="en-US" sz="2000" b="1" dirty="0">
+                <a:solidFill>
+                  <a:srgbClr val="222222"/>
+                </a:solidFill>
+                <a:latin typeface="arial" panose="020B0604020202020204" pitchFamily="34" charset="0"/>
+              </a:rPr>
+              <a:t>SQL Server</a:t>
+            </a:r>
+            <a:r>
+              <a:rPr lang="en-US" sz="2000" dirty="0">
+                <a:solidFill>
+                  <a:srgbClr val="222222"/>
+                </a:solidFill>
+                <a:latin typeface="arial" panose="020B0604020202020204" pitchFamily="34" charset="0"/>
+              </a:rPr>
+              <a:t> is configured to allow </a:t>
+            </a:r>
+            <a:r>
+              <a:rPr lang="en-US" sz="2000" dirty="0" smtClean="0">
+                <a:solidFill>
+                  <a:srgbClr val="222222"/>
+                </a:solidFill>
+                <a:latin typeface="arial" panose="020B0604020202020204" pitchFamily="34" charset="0"/>
+              </a:rPr>
+              <a:t>remote </a:t>
+            </a:r>
+            <a:r>
+              <a:rPr lang="en-US" sz="2000" b="1" dirty="0" smtClean="0">
+                <a:solidFill>
+                  <a:srgbClr val="222222"/>
+                </a:solidFill>
+                <a:latin typeface="arial" panose="020B0604020202020204" pitchFamily="34" charset="0"/>
+              </a:rPr>
+              <a:t>connections</a:t>
+            </a:r>
+            <a:r>
+              <a:rPr lang="en-US" sz="2000" dirty="0" smtClean="0">
+                <a:solidFill>
+                  <a:srgbClr val="222222"/>
+                </a:solidFill>
+                <a:latin typeface="arial" panose="020B0604020202020204" pitchFamily="34" charset="0"/>
+              </a:rPr>
+              <a:t>.</a:t>
+            </a:r>
+          </a:p>
+          <a:p>
+            <a:endParaRPr lang="en-US" sz="2000" dirty="0">
+              <a:solidFill>
+                <a:srgbClr val="222222"/>
+              </a:solidFill>
+              <a:latin typeface="arial" panose="020B0604020202020204" pitchFamily="34" charset="0"/>
+            </a:endParaRPr>
+          </a:p>
+          <a:p>
+            <a:pPr marL="342900" indent="-342900">
+              <a:buAutoNum type="arabicParenR"/>
+            </a:pPr>
+            <a:r>
+              <a:rPr lang="en-US" sz="2000" dirty="0" smtClean="0"/>
+              <a:t>Open</a:t>
+            </a:r>
+            <a:r>
+              <a:rPr lang="en-US" sz="2000" dirty="0"/>
+              <a:t> </a:t>
+            </a:r>
+            <a:r>
+              <a:rPr lang="en-US" sz="2000" b="1" dirty="0"/>
+              <a:t>Services</a:t>
+            </a:r>
+            <a:r>
+              <a:rPr lang="en-US" sz="2000" dirty="0"/>
+              <a:t> then start running </a:t>
+            </a:r>
+            <a:r>
+              <a:rPr lang="en-US" sz="2000" b="1" dirty="0" err="1"/>
+              <a:t>Sql</a:t>
+            </a:r>
+            <a:r>
+              <a:rPr lang="en-US" sz="2000" b="1" dirty="0"/>
+              <a:t> Server (</a:t>
+            </a:r>
+            <a:r>
+              <a:rPr lang="en-US" sz="2000" b="1" dirty="0" err="1"/>
+              <a:t>Sqlexpress</a:t>
+            </a:r>
+            <a:r>
+              <a:rPr lang="en-US" sz="2000" b="1" dirty="0"/>
+              <a:t>)</a:t>
+            </a:r>
+            <a:r>
+              <a:rPr lang="en-US" sz="2000" dirty="0"/>
+              <a:t> service</a:t>
+            </a:r>
+            <a:r>
+              <a:rPr lang="en-US" sz="2000" dirty="0" smtClean="0"/>
+              <a:t>.</a:t>
+            </a:r>
+          </a:p>
+          <a:p>
+            <a:r>
+              <a:rPr lang="en-US" sz="2000" dirty="0"/>
+              <a:t> </a:t>
+            </a:r>
+            <a:endParaRPr lang="en-US" sz="2000" dirty="0" smtClean="0"/>
+          </a:p>
+          <a:p>
+            <a:r>
+              <a:rPr lang="en-US" sz="2000" dirty="0" smtClean="0"/>
+              <a:t>Or</a:t>
+            </a:r>
+          </a:p>
+          <a:p>
+            <a:r>
+              <a:rPr lang="en-US" sz="2000" dirty="0"/>
+              <a:t> </a:t>
+            </a:r>
+            <a:endParaRPr lang="en-US" sz="2000" dirty="0"/>
+          </a:p>
+          <a:p>
+            <a:pPr marL="342900" indent="-342900">
+              <a:buAutoNum type="arabicParenR"/>
+            </a:pPr>
+            <a:r>
+              <a:rPr lang="en-US" sz="2000" dirty="0" smtClean="0"/>
+              <a:t>Open</a:t>
+            </a:r>
+            <a:r>
+              <a:rPr lang="en-US" sz="2000" dirty="0"/>
+              <a:t> </a:t>
+            </a:r>
+            <a:r>
+              <a:rPr lang="en-US" sz="2000" b="1" dirty="0" err="1"/>
+              <a:t>Sql</a:t>
+            </a:r>
+            <a:r>
+              <a:rPr lang="en-US" sz="2000" b="1" dirty="0"/>
+              <a:t> Server Configuration Manager</a:t>
+            </a:r>
+            <a:r>
+              <a:rPr lang="en-US" sz="2000" dirty="0"/>
+              <a:t> </a:t>
+            </a:r>
+            <a:r>
+              <a:rPr lang="en-US" sz="2000" dirty="0" smtClean="0"/>
+              <a:t>&gt;&gt;</a:t>
+            </a:r>
+            <a:r>
+              <a:rPr lang="en-US" sz="2000" dirty="0"/>
+              <a:t> </a:t>
+            </a:r>
+            <a:r>
+              <a:rPr lang="en-US" sz="2000" b="1" dirty="0"/>
+              <a:t>SQL Server Network </a:t>
+            </a:r>
+            <a:r>
+              <a:rPr lang="en-US" sz="2000" b="1" dirty="0" smtClean="0"/>
+              <a:t>configuration</a:t>
+            </a:r>
+            <a:r>
+              <a:rPr lang="en-US" sz="2000" dirty="0"/>
+              <a:t> </a:t>
+            </a:r>
+            <a:r>
+              <a:rPr lang="en-US" sz="2000" dirty="0" smtClean="0"/>
+              <a:t> &gt;&gt;</a:t>
+            </a:r>
+            <a:r>
+              <a:rPr lang="en-US" sz="2000" dirty="0"/>
+              <a:t> </a:t>
+            </a:r>
+            <a:endParaRPr lang="en-US" sz="2000" dirty="0" smtClean="0"/>
+          </a:p>
+          <a:p>
+            <a:r>
+              <a:rPr lang="en-US" sz="2000" b="1" dirty="0" smtClean="0"/>
+              <a:t>	Protocols </a:t>
+            </a:r>
+            <a:r>
+              <a:rPr lang="en-US" sz="2000" b="1" dirty="0"/>
+              <a:t>for &lt;(INSTANCE)&gt;</a:t>
+            </a:r>
+            <a:r>
+              <a:rPr lang="en-US" sz="2000" dirty="0"/>
+              <a:t> --&gt; </a:t>
+            </a:r>
+            <a:r>
+              <a:rPr lang="en-US" sz="2000" b="1" dirty="0"/>
+              <a:t>TCP/IP</a:t>
+            </a:r>
+            <a:r>
+              <a:rPr lang="en-US" sz="2000" dirty="0"/>
+              <a:t> (double click on it</a:t>
+            </a:r>
+            <a:r>
+              <a:rPr lang="en-US" sz="2000" dirty="0" smtClean="0"/>
+              <a:t>).</a:t>
+            </a:r>
+          </a:p>
+          <a:p>
+            <a:endParaRPr lang="en-US" sz="2000" dirty="0" smtClean="0"/>
+          </a:p>
+          <a:p>
+            <a:pPr fontAlgn="base"/>
+            <a:r>
+              <a:rPr lang="en-US" sz="2000" dirty="0"/>
+              <a:t>2) Select --&gt; </a:t>
+            </a:r>
+            <a:r>
+              <a:rPr lang="en-US" sz="2000" b="1" dirty="0"/>
+              <a:t>IP Addresses(Tab)</a:t>
+            </a:r>
+            <a:r>
+              <a:rPr lang="en-US" sz="2000" dirty="0"/>
+              <a:t>.</a:t>
+            </a:r>
+          </a:p>
+          <a:p>
+            <a:pPr fontAlgn="base"/>
+            <a:r>
+              <a:rPr lang="en-US" sz="2000" dirty="0"/>
+              <a:t>3) Go to the last entry </a:t>
+            </a:r>
+            <a:r>
+              <a:rPr lang="en-US" sz="2000" b="1" dirty="0"/>
+              <a:t>IP All</a:t>
+            </a:r>
+            <a:r>
+              <a:rPr lang="en-US" sz="2000" dirty="0"/>
+              <a:t> and mention </a:t>
+            </a:r>
+            <a:r>
+              <a:rPr lang="en-US" sz="2000" b="1" dirty="0"/>
+              <a:t>TCP Port 1433</a:t>
+            </a:r>
+            <a:r>
+              <a:rPr lang="en-US" sz="2000" dirty="0" smtClean="0"/>
+              <a:t>.   Then Press Apply</a:t>
+            </a:r>
+          </a:p>
+          <a:p>
+            <a:pPr lvl="0" defTabSz="914400" eaLnBrk="0" fontAlgn="base" hangingPunct="0">
+              <a:spcBef>
+                <a:spcPct val="0"/>
+              </a:spcBef>
+              <a:spcAft>
+                <a:spcPct val="0"/>
+              </a:spcAft>
+            </a:pPr>
+            <a:r>
+              <a:rPr lang="en-US" altLang="en-US" sz="2000" dirty="0">
+                <a:solidFill>
+                  <a:srgbClr val="242729"/>
+                </a:solidFill>
+                <a:latin typeface="Arial" panose="020B0604020202020204" pitchFamily="34" charset="0"/>
+                <a:cs typeface="Arial" panose="020B0604020202020204" pitchFamily="34" charset="0"/>
+              </a:rPr>
+              <a:t>4) Press </a:t>
+            </a:r>
+            <a:r>
+              <a:rPr lang="en-US" altLang="en-US" sz="2000" dirty="0" err="1">
+                <a:solidFill>
+                  <a:srgbClr val="242729"/>
+                </a:solidFill>
+                <a:latin typeface="Arial" panose="020B0604020202020204" pitchFamily="34" charset="0"/>
+                <a:cs typeface="Arial" panose="020B0604020202020204" pitchFamily="34" charset="0"/>
+              </a:rPr>
+              <a:t>Win+R</a:t>
+            </a:r>
+            <a:r>
+              <a:rPr lang="en-US" altLang="en-US" sz="2000" dirty="0">
+                <a:solidFill>
+                  <a:srgbClr val="242729"/>
+                </a:solidFill>
+                <a:latin typeface="Arial" panose="020B0604020202020204" pitchFamily="34" charset="0"/>
+                <a:cs typeface="Arial" panose="020B0604020202020204" pitchFamily="34" charset="0"/>
+              </a:rPr>
+              <a:t> and enter </a:t>
+            </a:r>
+            <a:r>
+              <a:rPr lang="en-US" altLang="en-US" sz="2000" b="1" dirty="0" err="1">
+                <a:solidFill>
+                  <a:srgbClr val="242729"/>
+                </a:solidFill>
+                <a:latin typeface="inherit"/>
+                <a:cs typeface="Arial" panose="020B0604020202020204" pitchFamily="34" charset="0"/>
+              </a:rPr>
+              <a:t>services.msc</a:t>
+            </a:r>
+            <a:r>
+              <a:rPr lang="en-US" altLang="en-US" sz="2000" dirty="0">
+                <a:solidFill>
+                  <a:srgbClr val="242729"/>
+                </a:solidFill>
+                <a:latin typeface="Arial" panose="020B0604020202020204" pitchFamily="34" charset="0"/>
+                <a:cs typeface="Arial" panose="020B0604020202020204" pitchFamily="34" charset="0"/>
+              </a:rPr>
+              <a:t>.</a:t>
+            </a:r>
+            <a:endParaRPr lang="en-US" altLang="en-US" sz="2000" dirty="0"/>
+          </a:p>
+          <a:p>
+            <a:pPr lvl="0" defTabSz="914400" eaLnBrk="0" fontAlgn="base" hangingPunct="0">
+              <a:spcBef>
+                <a:spcPct val="0"/>
+              </a:spcBef>
+              <a:spcAft>
+                <a:spcPct val="0"/>
+              </a:spcAft>
+            </a:pPr>
+            <a:r>
+              <a:rPr lang="en-US" altLang="en-US" sz="2000" dirty="0">
+                <a:solidFill>
+                  <a:srgbClr val="242729"/>
+                </a:solidFill>
+                <a:latin typeface="Arial" panose="020B0604020202020204" pitchFamily="34" charset="0"/>
+                <a:cs typeface="Arial" panose="020B0604020202020204" pitchFamily="34" charset="0"/>
+              </a:rPr>
+              <a:t>5) Now restart </a:t>
+            </a:r>
+            <a:r>
+              <a:rPr lang="en-US" altLang="en-US" sz="2000" b="1" dirty="0">
+                <a:solidFill>
+                  <a:srgbClr val="242729"/>
+                </a:solidFill>
+                <a:latin typeface="inherit"/>
+                <a:cs typeface="Arial" panose="020B0604020202020204" pitchFamily="34" charset="0"/>
+              </a:rPr>
+              <a:t>SQL Server &lt;(INSTANCE</a:t>
+            </a:r>
+            <a:r>
+              <a:rPr lang="en-US" altLang="en-US" sz="2000" b="1" dirty="0" smtClean="0">
+                <a:solidFill>
+                  <a:srgbClr val="242729"/>
+                </a:solidFill>
+                <a:latin typeface="inherit"/>
+                <a:cs typeface="Arial" panose="020B0604020202020204" pitchFamily="34" charset="0"/>
+              </a:rPr>
+              <a:t>)&gt;</a:t>
+            </a:r>
+            <a:r>
+              <a:rPr lang="en-US" altLang="en-US" sz="2000" dirty="0" smtClean="0">
+                <a:solidFill>
+                  <a:srgbClr val="242729"/>
+                </a:solidFill>
+                <a:latin typeface="Arial" panose="020B0604020202020204" pitchFamily="34" charset="0"/>
+                <a:cs typeface="Arial" panose="020B0604020202020204" pitchFamily="34" charset="0"/>
+              </a:rPr>
+              <a:t>.</a:t>
+            </a:r>
+            <a:endParaRPr lang="en-US" altLang="en-US" sz="2000" dirty="0">
+              <a:latin typeface="Arial" panose="020B0604020202020204" pitchFamily="34" charset="0"/>
+            </a:endParaRPr>
+          </a:p>
+        </p:txBody>
+      </p:sp>
+      <p:sp>
+        <p:nvSpPr>
+          <p:cNvPr id="3" name="Rectangle 1"/>
+          <p:cNvSpPr>
+            <a:spLocks noChangeArrowheads="1"/>
+          </p:cNvSpPr>
+          <p:nvPr/>
+        </p:nvSpPr>
+        <p:spPr bwMode="auto">
+          <a:xfrm>
+            <a:off x="0" y="90100"/>
+            <a:ext cx="65" cy="276999"/>
+          </a:xfrm>
+          <a:prstGeom prst="rect">
+            <a:avLst/>
+          </a:prstGeom>
+          <a:solidFill>
+            <a:srgbClr val="FFFFFF"/>
+          </a:solidFill>
+          <a:ln>
+            <a:noFill/>
+          </a:ln>
+          <a:effectLst/>
+          <a:extLst>
+            <a:ext uri="{91240B29-F687-4F45-9708-019B960494DF}">
+              <a14:hiddenLine xmlns:a14="http://schemas.microsoft.com/office/drawing/2010/main" w="9525">
+                <a:solidFill>
+                  <a:schemeClr val="tx1"/>
+                </a:solidFill>
+                <a:miter lim="800000"/>
+                <a:headEnd/>
+                <a:tailEnd/>
+              </a14:hiddenLine>
+            </a:ext>
+            <a:ext uri="{AF507438-7753-43E0-B8FC-AC1667EBCBE1}">
+              <a14:hiddenEffects xmlns:a14="http://schemas.microsoft.com/office/drawing/2010/main">
+                <a:effectLst>
+                  <a:outerShdw dist="35921" dir="2700000" algn="ctr" rotWithShape="0">
+                    <a:schemeClr val="bg2"/>
+                  </a:outerShdw>
+                </a:effectLst>
+              </a14:hiddenEffects>
+            </a:ext>
+          </a:extLst>
+        </p:spPr>
+        <p:txBody>
+          <a:bodyPr vert="horz" wrap="none" lIns="0" tIns="0" rIns="0" bIns="0" numCol="1" anchor="ctr" anchorCtr="0" compatLnSpc="1">
+            <a:prstTxWarp prst="textNoShape">
+              <a:avLst/>
+            </a:prstTxWarp>
+            <a:spAutoFit/>
+          </a:bodyPr>
+          <a:lstStyle>
+            <a:lvl1pPr eaLnBrk="0" fontAlgn="base" hangingPunct="0">
+              <a:spcBef>
+                <a:spcPct val="0"/>
+              </a:spcBef>
+              <a:spcAft>
+                <a:spcPct val="0"/>
+              </a:spcAft>
+              <a:defRPr>
+                <a:solidFill>
+                  <a:schemeClr val="tx1"/>
+                </a:solidFill>
+                <a:latin typeface="Arial" panose="020B0604020202020204" pitchFamily="34" charset="0"/>
+              </a:defRPr>
+            </a:lvl1pPr>
+            <a:lvl2pPr eaLnBrk="0" fontAlgn="base" hangingPunct="0">
+              <a:spcBef>
+                <a:spcPct val="0"/>
+              </a:spcBef>
+              <a:spcAft>
+                <a:spcPct val="0"/>
+              </a:spcAft>
+              <a:defRPr>
+                <a:solidFill>
+                  <a:schemeClr val="tx1"/>
+                </a:solidFill>
+                <a:latin typeface="Arial" panose="020B0604020202020204" pitchFamily="34" charset="0"/>
+              </a:defRPr>
+            </a:lvl2pPr>
+            <a:lvl3pPr eaLnBrk="0" fontAlgn="base" hangingPunct="0">
+              <a:spcBef>
+                <a:spcPct val="0"/>
+              </a:spcBef>
+              <a:spcAft>
+                <a:spcPct val="0"/>
+              </a:spcAft>
+              <a:defRPr>
+                <a:solidFill>
+                  <a:schemeClr val="tx1"/>
+                </a:solidFill>
+                <a:latin typeface="Arial" panose="020B0604020202020204" pitchFamily="34" charset="0"/>
+              </a:defRPr>
+            </a:lvl3pPr>
+            <a:lvl4pPr eaLnBrk="0" fontAlgn="base" hangingPunct="0">
+              <a:spcBef>
+                <a:spcPct val="0"/>
+              </a:spcBef>
+              <a:spcAft>
+                <a:spcPct val="0"/>
+              </a:spcAft>
+              <a:defRPr>
+                <a:solidFill>
+                  <a:schemeClr val="tx1"/>
+                </a:solidFill>
+                <a:latin typeface="Arial" panose="020B0604020202020204" pitchFamily="34" charset="0"/>
+              </a:defRPr>
+            </a:lvl4pPr>
+            <a:lvl5pPr eaLnBrk="0" fontAlgn="base" hangingPunct="0">
+              <a:spcBef>
+                <a:spcPct val="0"/>
+              </a:spcBef>
+              <a:spcAft>
+                <a:spcPct val="0"/>
+              </a:spcAft>
+              <a:defRPr>
+                <a:solidFill>
+                  <a:schemeClr val="tx1"/>
+                </a:solidFill>
+                <a:latin typeface="Arial" panose="020B0604020202020204" pitchFamily="34" charset="0"/>
+              </a:defRPr>
+            </a:lvl5pPr>
+            <a:lvl6pPr eaLnBrk="0" fontAlgn="base" hangingPunct="0">
+              <a:spcBef>
+                <a:spcPct val="0"/>
+              </a:spcBef>
+              <a:spcAft>
+                <a:spcPct val="0"/>
+              </a:spcAft>
+              <a:defRPr>
+                <a:solidFill>
+                  <a:schemeClr val="tx1"/>
+                </a:solidFill>
+                <a:latin typeface="Arial" panose="020B0604020202020204" pitchFamily="34" charset="0"/>
+              </a:defRPr>
+            </a:lvl6pPr>
+            <a:lvl7pPr eaLnBrk="0" fontAlgn="base" hangingPunct="0">
+              <a:spcBef>
+                <a:spcPct val="0"/>
+              </a:spcBef>
+              <a:spcAft>
+                <a:spcPct val="0"/>
+              </a:spcAft>
+              <a:defRPr>
+                <a:solidFill>
+                  <a:schemeClr val="tx1"/>
+                </a:solidFill>
+                <a:latin typeface="Arial" panose="020B0604020202020204" pitchFamily="34" charset="0"/>
+              </a:defRPr>
+            </a:lvl7pPr>
+            <a:lvl8pPr eaLnBrk="0" fontAlgn="base" hangingPunct="0">
+              <a:spcBef>
+                <a:spcPct val="0"/>
+              </a:spcBef>
+              <a:spcAft>
+                <a:spcPct val="0"/>
+              </a:spcAft>
+              <a:defRPr>
+                <a:solidFill>
+                  <a:schemeClr val="tx1"/>
+                </a:solidFill>
+                <a:latin typeface="Arial" panose="020B0604020202020204" pitchFamily="34" charset="0"/>
+              </a:defRPr>
+            </a:lvl8pPr>
+            <a:lvl9pPr eaLnBrk="0" fontAlgn="base" hangingPunct="0">
+              <a:spcBef>
+                <a:spcPct val="0"/>
+              </a:spcBef>
+              <a:spcAft>
+                <a:spcPct val="0"/>
+              </a:spcAft>
+              <a:defRPr>
+                <a:solidFill>
+                  <a:schemeClr val="tx1"/>
+                </a:solidFill>
+                <a:latin typeface="Arial" panose="020B0604020202020204" pitchFamily="34" charset="0"/>
+              </a:defRPr>
+            </a:lvl9pPr>
+          </a:lstStyle>
+          <a:p>
+            <a:pPr marL="0" marR="0" lvl="0" indent="0" algn="l" defTabSz="914400" rtl="0" eaLnBrk="0" fontAlgn="base" latinLnBrk="0" hangingPunct="0">
+              <a:lnSpc>
+                <a:spcPct val="100000"/>
+              </a:lnSpc>
+              <a:spcBef>
+                <a:spcPct val="0"/>
+              </a:spcBef>
+              <a:spcAft>
+                <a:spcPct val="0"/>
+              </a:spcAft>
+              <a:buClrTx/>
+              <a:buSzTx/>
+              <a:buFontTx/>
+              <a:buNone/>
+              <a:tabLst/>
+            </a:pPr>
+            <a:endParaRPr kumimoji="0" lang="en-US" altLang="en-US" sz="1800" b="0" i="0" u="none" strike="noStrike" cap="none" normalizeH="0" baseline="0" dirty="0" smtClean="0">
+              <a:ln>
+                <a:noFill/>
+              </a:ln>
+              <a:solidFill>
+                <a:schemeClr val="tx1"/>
+              </a:solidFill>
+              <a:effectLst/>
+              <a:latin typeface="Arial" panose="020B0604020202020204" pitchFamily="34" charset="0"/>
+            </a:endParaRPr>
+          </a:p>
+        </p:txBody>
+      </p:sp>
+    </p:spTree>
+    <p:extLst>
+      <p:ext uri="{BB962C8B-B14F-4D97-AF65-F5344CB8AC3E}">
+        <p14:creationId xmlns:p14="http://schemas.microsoft.com/office/powerpoint/2010/main" val="3830073858"/>
+      </p:ext>
+    </p:extLst>
+  </p:cSld>
+  <p:clrMapOvr>
+    <a:masterClrMapping/>
+  </p:clrMapOvr>
+</p:sld>
+</file>
+
+<file path=ppt/slides/slide33.xml><?xml version="1.0" encoding="utf-8"?>
+<p:sld xmlns:a="http://schemas.openxmlformats.org/drawingml/2006/main" xmlns:r="http://schemas.openxmlformats.org/officeDocument/2006/relationships" xmlns:p="http://schemas.openxmlformats.org/presentationml/2006/main">
+  <p:cSld>
+    <p:spTree>
+      <p:nvGrpSpPr>
+        <p:cNvPr id="1" name=""/>
+        <p:cNvGrpSpPr/>
+        <p:nvPr/>
+      </p:nvGrpSpPr>
+      <p:grpSpPr>
+        <a:xfrm>
+          <a:off x="0" y="0"/>
+          <a:ext cx="0" cy="0"/>
+          <a:chOff x="0" y="0"/>
+          <a:chExt cx="0" cy="0"/>
+        </a:xfrm>
+      </p:grpSpPr>
+      <p:sp>
+        <p:nvSpPr>
+          <p:cNvPr id="2" name="Rectangle 1"/>
+          <p:cNvSpPr/>
+          <p:nvPr/>
+        </p:nvSpPr>
+        <p:spPr>
+          <a:xfrm>
+            <a:off x="3271234" y="2627290"/>
+            <a:ext cx="3966693" cy="830997"/>
+          </a:xfrm>
+          <a:prstGeom prst="rect">
+            <a:avLst/>
+          </a:prstGeom>
+        </p:spPr>
+        <p:txBody>
+          <a:bodyPr wrap="square">
+            <a:spAutoFit/>
+          </a:bodyPr>
+          <a:lstStyle/>
+          <a:p>
+            <a:r>
+              <a:rPr lang="en-US" sz="4800" b="1" dirty="0" smtClean="0"/>
+              <a:t>  Thank You</a:t>
+            </a:r>
+            <a:endParaRPr lang="en-US" sz="4800" dirty="0"/>
+          </a:p>
+        </p:txBody>
+      </p:sp>
+    </p:spTree>
+    <p:extLst>
+      <p:ext uri="{BB962C8B-B14F-4D97-AF65-F5344CB8AC3E}">
+        <p14:creationId xmlns:p14="http://schemas.microsoft.com/office/powerpoint/2010/main" val="4240668405"/>
+      </p:ext>
+    </p:extLst>
+  </p:cSld>
+  <p:clrMapOvr>
+    <a:masterClrMapping/>
+  </p:clrMapOvr>
+  <p:timing>
+    <p:tnLst>
+      <p:par>
+        <p:cTn id="1" dur="indefinite" restart="never" nodeType="tmRoot"/>
+      </p:par>
+    </p:tnLst>
+  </p:timing>
+</p:sld>
+</file>
+
+<file path=ppt/slides/slide34.xml><?xml version="1.0" encoding="utf-8"?>
+<p:sld xmlns:a="http://schemas.openxmlformats.org/drawingml/2006/main" xmlns:r="http://schemas.openxmlformats.org/officeDocument/2006/relationships" xmlns:p="http://schemas.openxmlformats.org/presentationml/2006/main">
+  <p:cSld>
+    <p:spTree>
+      <p:nvGrpSpPr>
+        <p:cNvPr id="1" name=""/>
+        <p:cNvGrpSpPr/>
+        <p:nvPr/>
+      </p:nvGrpSpPr>
+      <p:grpSpPr>
+        <a:xfrm>
+          <a:off x="0" y="0"/>
+          <a:ext cx="0" cy="0"/>
+          <a:chOff x="0" y="0"/>
+          <a:chExt cx="0" cy="0"/>
+        </a:xfrm>
+      </p:grpSpPr>
+      <p:sp>
+        <p:nvSpPr>
+          <p:cNvPr id="2" name="Rectangle 1"/>
+          <p:cNvSpPr/>
+          <p:nvPr/>
+        </p:nvSpPr>
+        <p:spPr>
+          <a:xfrm>
+            <a:off x="3048000" y="2759586"/>
+            <a:ext cx="6096000" cy="1338828"/>
+          </a:xfrm>
+          <a:prstGeom prst="rect">
+            <a:avLst/>
+          </a:prstGeom>
+        </p:spPr>
+        <p:txBody>
+          <a:bodyPr>
+            <a:spAutoFit/>
+          </a:bodyPr>
+          <a:lstStyle/>
+          <a:p>
+            <a:pPr algn="just">
+              <a:lnSpc>
+                <a:spcPct val="150000"/>
+              </a:lnSpc>
+            </a:pPr>
+            <a:r>
+              <a:rPr lang="en-US" dirty="0">
+                <a:hlinkClick r:id="rId2"/>
+              </a:rPr>
+              <a:t>http://vb.net-informations.com/ado.net-dataproviders/ado.net-executenonquery-sqlcommand.htm</a:t>
+            </a:r>
+            <a:endParaRPr lang="en-US" dirty="0">
+              <a:solidFill>
+                <a:srgbClr val="000000"/>
+              </a:solidFill>
+              <a:latin typeface="Times New Roman" panose="02020603050405020304" pitchFamily="18" charset="0"/>
+            </a:endParaRPr>
+          </a:p>
+        </p:txBody>
+      </p:sp>
+    </p:spTree>
+    <p:extLst>
+      <p:ext uri="{BB962C8B-B14F-4D97-AF65-F5344CB8AC3E}">
+        <p14:creationId xmlns:p14="http://schemas.microsoft.com/office/powerpoint/2010/main" val="2302483036"/>
+      </p:ext>
+    </p:extLst>
+  </p:cSld>
+  <p:clrMapOvr>
+    <a:masterClrMapping/>
+  </p:clrMapOvr>
+</p:sld>
+</file>
+
+<file path=ppt/slides/slide35.xml><?xml version="1.0" encoding="utf-8"?>
+<p:sld xmlns:a="http://schemas.openxmlformats.org/drawingml/2006/main" xmlns:r="http://schemas.openxmlformats.org/officeDocument/2006/relationships" xmlns:p="http://schemas.openxmlformats.org/presentationml/2006/main">
+  <p:cSld>
+    <p:spTree>
+      <p:nvGrpSpPr>
+        <p:cNvPr id="1" name=""/>
+        <p:cNvGrpSpPr/>
+        <p:nvPr/>
+      </p:nvGrpSpPr>
+      <p:grpSpPr>
+        <a:xfrm>
+          <a:off x="0" y="0"/>
+          <a:ext cx="0" cy="0"/>
+          <a:chOff x="0" y="0"/>
+          <a:chExt cx="0" cy="0"/>
+        </a:xfrm>
+      </p:grpSpPr>
+    </p:spTree>
+    <p:extLst>
+      <p:ext uri="{BB962C8B-B14F-4D97-AF65-F5344CB8AC3E}">
+        <p14:creationId xmlns:p14="http://schemas.microsoft.com/office/powerpoint/2010/main" val="447191332"/>
+      </p:ext>
+    </p:extLst>
+  </p:cSld>
+  <p:clrMapOvr>
+    <a:masterClrMapping/>
+  </p:clrMapOvr>
 </p:sld>
 </file>
 
@@ -14294,6 +16467,13 @@
   <p:clrMapOvr>
     <a:masterClrMapping/>
   </p:clrMapOvr>
+  <p:timing>
+    <p:tnLst>
+      <p:par>
+        <p:cTn id="1" dur="indefinite" restart="never" nodeType="tmRoot"/>
+      </p:par>
+    </p:tnLst>
+  </p:timing>
 </p:sld>
 </file>
 
@@ -14353,6 +16533,13 @@
   <p:clrMapOvr>
     <a:masterClrMapping/>
   </p:clrMapOvr>
+  <p:timing>
+    <p:tnLst>
+      <p:par>
+        <p:cTn id="1" dur="indefinite" restart="never" nodeType="tmRoot"/>
+      </p:par>
+    </p:tnLst>
+  </p:timing>
 </p:sld>
 </file>
 

--- a/PPT/VB_1.pptx
+++ b/PPT/VB_1.pptx
@@ -11541,14 +11541,7 @@
           <a:lstStyle/>
           <a:p>
             <a:r>
-              <a:rPr lang="en-US" sz="4000" dirty="0">
-                <a:solidFill>
-                  <a:srgbClr val="000000"/>
-                </a:solidFill>
-                <a:latin typeface="Monotype Corsiva" panose="03010101010201010101" pitchFamily="66" charset="0"/>
-                <a:ea typeface="+mn-ea"/>
-                <a:cs typeface="+mn-cs"/>
-              </a:rPr>
+              <a:rPr lang="en-US" b="1" u="sng" dirty="0"/>
               <a:t>ADO.NET</a:t>
             </a:r>
           </a:p>
@@ -11778,10 +11771,10 @@
           <a:lstStyle/>
           <a:p>
             <a:r>
-              <a:rPr lang="en-US" dirty="0" smtClean="0"/>
+              <a:rPr lang="en-US" b="1" u="sng" dirty="0" smtClean="0"/>
               <a:t>Data Provider</a:t>
             </a:r>
-            <a:endParaRPr lang="en-US" dirty="0"/>
+            <a:endParaRPr lang="en-US" b="1" u="sng" dirty="0"/>
           </a:p>
         </p:txBody>
       </p:sp>
@@ -14462,7 +14455,6 @@
               <a:rPr lang="en-US" sz="2000" dirty="0"/>
               <a:t> </a:t>
             </a:r>
-            <a:endParaRPr lang="en-US" sz="2000" dirty="0"/>
           </a:p>
           <a:p>
             <a:pPr marL="342900" indent="-342900">

--- a/PPT/VB_1.pptx
+++ b/PPT/VB_1.pptx
@@ -11541,7 +11541,14 @@
           <a:lstStyle/>
           <a:p>
             <a:r>
-              <a:rPr lang="en-US" b="1" u="sng" dirty="0"/>
+              <a:rPr lang="en-US" sz="4000" dirty="0">
+                <a:solidFill>
+                  <a:srgbClr val="000000"/>
+                </a:solidFill>
+                <a:latin typeface="Monotype Corsiva" panose="03010101010201010101" pitchFamily="66" charset="0"/>
+                <a:ea typeface="+mn-ea"/>
+                <a:cs typeface="+mn-cs"/>
+              </a:rPr>
               <a:t>ADO.NET</a:t>
             </a:r>
           </a:p>
@@ -11771,10 +11778,10 @@
           <a:lstStyle/>
           <a:p>
             <a:r>
-              <a:rPr lang="en-US" b="1" u="sng" dirty="0" smtClean="0"/>
+              <a:rPr lang="en-US" dirty="0" smtClean="0"/>
               <a:t>Data Provider</a:t>
             </a:r>
-            <a:endParaRPr lang="en-US" b="1" u="sng" dirty="0"/>
+            <a:endParaRPr lang="en-US" dirty="0"/>
           </a:p>
         </p:txBody>
       </p:sp>
@@ -14455,6 +14462,7 @@
               <a:rPr lang="en-US" sz="2000" dirty="0"/>
               <a:t> </a:t>
             </a:r>
+            <a:endParaRPr lang="en-US" sz="2000" dirty="0"/>
           </a:p>
           <a:p>
             <a:pPr marL="342900" indent="-342900">
